--- a/Documents/BIORUBEBOT- CS452.pptx
+++ b/Documents/BIORUBEBOT- CS452.pptx
@@ -5,10 +5,10 @@
     <p:sldMasterId id="2147483648" r:id="rId1"/>
   </p:sldMasterIdLst>
   <p:notesMasterIdLst>
-    <p:notesMasterId r:id="rId14"/>
+    <p:notesMasterId r:id="rId16"/>
   </p:notesMasterIdLst>
   <p:handoutMasterIdLst>
-    <p:handoutMasterId r:id="rId15"/>
+    <p:handoutMasterId r:id="rId17"/>
   </p:handoutMasterIdLst>
   <p:sldIdLst>
     <p:sldId id="256" r:id="rId2"/>
@@ -17,12 +17,14 @@
     <p:sldId id="342" r:id="rId5"/>
     <p:sldId id="343" r:id="rId6"/>
     <p:sldId id="348" r:id="rId7"/>
-    <p:sldId id="349" r:id="rId8"/>
-    <p:sldId id="344" r:id="rId9"/>
-    <p:sldId id="345" r:id="rId10"/>
-    <p:sldId id="346" r:id="rId11"/>
-    <p:sldId id="347" r:id="rId12"/>
-    <p:sldId id="338" r:id="rId13"/>
+    <p:sldId id="350" r:id="rId8"/>
+    <p:sldId id="349" r:id="rId9"/>
+    <p:sldId id="351" r:id="rId10"/>
+    <p:sldId id="344" r:id="rId11"/>
+    <p:sldId id="345" r:id="rId12"/>
+    <p:sldId id="346" r:id="rId13"/>
+    <p:sldId id="347" r:id="rId14"/>
+    <p:sldId id="338" r:id="rId15"/>
   </p:sldIdLst>
   <p:sldSz cx="9144000" cy="5143500" type="screen16x9"/>
   <p:notesSz cx="6858000" cy="9144000"/>
@@ -291,7 +293,7 @@
               <a:pPr>
                 <a:defRPr/>
               </a:pPr>
-              <a:t>26/11/2015</a:t>
+              <a:t>02/12/2015</a:t>
             </a:fld>
             <a:endParaRPr lang="en-JM"/>
           </a:p>
@@ -506,7 +508,7 @@
               <a:pPr>
                 <a:defRPr/>
               </a:pPr>
-              <a:t>26/11/2015</a:t>
+              <a:t>02/12/2015</a:t>
             </a:fld>
             <a:endParaRPr lang="en-JM"/>
           </a:p>
@@ -830,6 +832,1266 @@
     </a:lvl9pPr>
   </p:notesStyle>
 </p:notesMaster>
+</file>
+
+<file path=ppt/notesSlides/notesSlide1.xml><?xml version="1.0" encoding="utf-8"?>
+<p:notes xmlns:a="http://schemas.openxmlformats.org/drawingml/2006/main" xmlns:r="http://schemas.openxmlformats.org/officeDocument/2006/relationships" xmlns:p="http://schemas.openxmlformats.org/presentationml/2006/main">
+  <p:cSld>
+    <p:spTree>
+      <p:nvGrpSpPr>
+        <p:cNvPr id="1" name=""/>
+        <p:cNvGrpSpPr/>
+        <p:nvPr/>
+      </p:nvGrpSpPr>
+      <p:grpSpPr>
+        <a:xfrm>
+          <a:off x="0" y="0"/>
+          <a:ext cx="0" cy="0"/>
+          <a:chOff x="0" y="0"/>
+          <a:chExt cx="0" cy="0"/>
+        </a:xfrm>
+      </p:grpSpPr>
+      <p:sp>
+        <p:nvSpPr>
+          <p:cNvPr id="2" name="Slide Image Placeholder 1"/>
+          <p:cNvSpPr>
+            <a:spLocks noGrp="1" noRot="1" noChangeAspect="1"/>
+          </p:cNvSpPr>
+          <p:nvPr>
+            <p:ph type="sldImg"/>
+          </p:nvPr>
+        </p:nvSpPr>
+        <p:spPr/>
+      </p:sp>
+      <p:sp>
+        <p:nvSpPr>
+          <p:cNvPr id="3" name="Notes Placeholder 2"/>
+          <p:cNvSpPr>
+            <a:spLocks noGrp="1"/>
+          </p:cNvSpPr>
+          <p:nvPr>
+            <p:ph type="body" idx="1"/>
+          </p:nvPr>
+        </p:nvSpPr>
+        <p:spPr/>
+        <p:txBody>
+          <a:bodyPr/>
+          <a:lstStyle/>
+          <a:p>
+            <a:endParaRPr lang="en-US"/>
+          </a:p>
+        </p:txBody>
+      </p:sp>
+      <p:sp>
+        <p:nvSpPr>
+          <p:cNvPr id="4" name="Slide Number Placeholder 3"/>
+          <p:cNvSpPr>
+            <a:spLocks noGrp="1"/>
+          </p:cNvSpPr>
+          <p:nvPr>
+            <p:ph type="sldNum" sz="quarter" idx="10"/>
+          </p:nvPr>
+        </p:nvSpPr>
+        <p:spPr/>
+        <p:txBody>
+          <a:bodyPr/>
+          <a:lstStyle/>
+          <a:p>
+            <a:pPr>
+              <a:defRPr/>
+            </a:pPr>
+            <a:fld id="{4B464497-61C4-46B0-ACA5-17230456BCD5}" type="slidenum">
+              <a:rPr lang="en-JM"/>
+              <a:pPr>
+                <a:defRPr/>
+              </a:pPr>
+              <a:t>1</a:t>
+            </a:fld>
+            <a:endParaRPr lang="en-JM"/>
+          </a:p>
+        </p:txBody>
+      </p:sp>
+    </p:spTree>
+    <p:extLst>
+      <p:ext uri="{BB962C8B-B14F-4D97-AF65-F5344CB8AC3E}">
+        <p14:creationId xmlns:p14="http://schemas.microsoft.com/office/powerpoint/2010/main" val="1265941192"/>
+      </p:ext>
+    </p:extLst>
+  </p:cSld>
+  <p:clrMapOvr>
+    <a:masterClrMapping/>
+  </p:clrMapOvr>
+</p:notes>
+</file>
+
+<file path=ppt/notesSlides/notesSlide10.xml><?xml version="1.0" encoding="utf-8"?>
+<p:notes xmlns:a="http://schemas.openxmlformats.org/drawingml/2006/main" xmlns:r="http://schemas.openxmlformats.org/officeDocument/2006/relationships" xmlns:p="http://schemas.openxmlformats.org/presentationml/2006/main">
+  <p:cSld>
+    <p:spTree>
+      <p:nvGrpSpPr>
+        <p:cNvPr id="1" name=""/>
+        <p:cNvGrpSpPr/>
+        <p:nvPr/>
+      </p:nvGrpSpPr>
+      <p:grpSpPr>
+        <a:xfrm>
+          <a:off x="0" y="0"/>
+          <a:ext cx="0" cy="0"/>
+          <a:chOff x="0" y="0"/>
+          <a:chExt cx="0" cy="0"/>
+        </a:xfrm>
+      </p:grpSpPr>
+      <p:sp>
+        <p:nvSpPr>
+          <p:cNvPr id="2" name="Slide Image Placeholder 1"/>
+          <p:cNvSpPr>
+            <a:spLocks noGrp="1" noRot="1" noChangeAspect="1"/>
+          </p:cNvSpPr>
+          <p:nvPr>
+            <p:ph type="sldImg"/>
+          </p:nvPr>
+        </p:nvSpPr>
+        <p:spPr/>
+      </p:sp>
+      <p:sp>
+        <p:nvSpPr>
+          <p:cNvPr id="3" name="Notes Placeholder 2"/>
+          <p:cNvSpPr>
+            <a:spLocks noGrp="1"/>
+          </p:cNvSpPr>
+          <p:nvPr>
+            <p:ph type="body" idx="1"/>
+          </p:nvPr>
+        </p:nvSpPr>
+        <p:spPr/>
+        <p:txBody>
+          <a:bodyPr/>
+          <a:lstStyle/>
+          <a:p>
+            <a:endParaRPr lang="en-US"/>
+          </a:p>
+        </p:txBody>
+      </p:sp>
+      <p:sp>
+        <p:nvSpPr>
+          <p:cNvPr id="4" name="Slide Number Placeholder 3"/>
+          <p:cNvSpPr>
+            <a:spLocks noGrp="1"/>
+          </p:cNvSpPr>
+          <p:nvPr>
+            <p:ph type="sldNum" sz="quarter" idx="10"/>
+          </p:nvPr>
+        </p:nvSpPr>
+        <p:spPr/>
+        <p:txBody>
+          <a:bodyPr/>
+          <a:lstStyle/>
+          <a:p>
+            <a:pPr>
+              <a:defRPr/>
+            </a:pPr>
+            <a:fld id="{4B464497-61C4-46B0-ACA5-17230456BCD5}" type="slidenum">
+              <a:rPr lang="en-JM"/>
+              <a:pPr>
+                <a:defRPr/>
+              </a:pPr>
+              <a:t>10</a:t>
+            </a:fld>
+            <a:endParaRPr lang="en-JM"/>
+          </a:p>
+        </p:txBody>
+      </p:sp>
+    </p:spTree>
+    <p:extLst>
+      <p:ext uri="{BB962C8B-B14F-4D97-AF65-F5344CB8AC3E}">
+        <p14:creationId xmlns:p14="http://schemas.microsoft.com/office/powerpoint/2010/main" val="2139516664"/>
+      </p:ext>
+    </p:extLst>
+  </p:cSld>
+  <p:clrMapOvr>
+    <a:masterClrMapping/>
+  </p:clrMapOvr>
+</p:notes>
+</file>
+
+<file path=ppt/notesSlides/notesSlide11.xml><?xml version="1.0" encoding="utf-8"?>
+<p:notes xmlns:a="http://schemas.openxmlformats.org/drawingml/2006/main" xmlns:r="http://schemas.openxmlformats.org/officeDocument/2006/relationships" xmlns:p="http://schemas.openxmlformats.org/presentationml/2006/main">
+  <p:cSld>
+    <p:spTree>
+      <p:nvGrpSpPr>
+        <p:cNvPr id="1" name=""/>
+        <p:cNvGrpSpPr/>
+        <p:nvPr/>
+      </p:nvGrpSpPr>
+      <p:grpSpPr>
+        <a:xfrm>
+          <a:off x="0" y="0"/>
+          <a:ext cx="0" cy="0"/>
+          <a:chOff x="0" y="0"/>
+          <a:chExt cx="0" cy="0"/>
+        </a:xfrm>
+      </p:grpSpPr>
+      <p:sp>
+        <p:nvSpPr>
+          <p:cNvPr id="2" name="Slide Image Placeholder 1"/>
+          <p:cNvSpPr>
+            <a:spLocks noGrp="1" noRot="1" noChangeAspect="1"/>
+          </p:cNvSpPr>
+          <p:nvPr>
+            <p:ph type="sldImg"/>
+          </p:nvPr>
+        </p:nvSpPr>
+        <p:spPr/>
+      </p:sp>
+      <p:sp>
+        <p:nvSpPr>
+          <p:cNvPr id="3" name="Notes Placeholder 2"/>
+          <p:cNvSpPr>
+            <a:spLocks noGrp="1"/>
+          </p:cNvSpPr>
+          <p:nvPr>
+            <p:ph type="body" idx="1"/>
+          </p:nvPr>
+        </p:nvSpPr>
+        <p:spPr/>
+        <p:txBody>
+          <a:bodyPr/>
+          <a:lstStyle/>
+          <a:p>
+            <a:endParaRPr lang="en-US"/>
+          </a:p>
+        </p:txBody>
+      </p:sp>
+      <p:sp>
+        <p:nvSpPr>
+          <p:cNvPr id="4" name="Slide Number Placeholder 3"/>
+          <p:cNvSpPr>
+            <a:spLocks noGrp="1"/>
+          </p:cNvSpPr>
+          <p:nvPr>
+            <p:ph type="sldNum" sz="quarter" idx="10"/>
+          </p:nvPr>
+        </p:nvSpPr>
+        <p:spPr/>
+        <p:txBody>
+          <a:bodyPr/>
+          <a:lstStyle/>
+          <a:p>
+            <a:pPr>
+              <a:defRPr/>
+            </a:pPr>
+            <a:fld id="{4B464497-61C4-46B0-ACA5-17230456BCD5}" type="slidenum">
+              <a:rPr lang="en-JM"/>
+              <a:pPr>
+                <a:defRPr/>
+              </a:pPr>
+              <a:t>11</a:t>
+            </a:fld>
+            <a:endParaRPr lang="en-JM"/>
+          </a:p>
+        </p:txBody>
+      </p:sp>
+    </p:spTree>
+    <p:extLst>
+      <p:ext uri="{BB962C8B-B14F-4D97-AF65-F5344CB8AC3E}">
+        <p14:creationId xmlns:p14="http://schemas.microsoft.com/office/powerpoint/2010/main" val="839595030"/>
+      </p:ext>
+    </p:extLst>
+  </p:cSld>
+  <p:clrMapOvr>
+    <a:masterClrMapping/>
+  </p:clrMapOvr>
+</p:notes>
+</file>
+
+<file path=ppt/notesSlides/notesSlide12.xml><?xml version="1.0" encoding="utf-8"?>
+<p:notes xmlns:a="http://schemas.openxmlformats.org/drawingml/2006/main" xmlns:r="http://schemas.openxmlformats.org/officeDocument/2006/relationships" xmlns:p="http://schemas.openxmlformats.org/presentationml/2006/main">
+  <p:cSld>
+    <p:spTree>
+      <p:nvGrpSpPr>
+        <p:cNvPr id="1" name=""/>
+        <p:cNvGrpSpPr/>
+        <p:nvPr/>
+      </p:nvGrpSpPr>
+      <p:grpSpPr>
+        <a:xfrm>
+          <a:off x="0" y="0"/>
+          <a:ext cx="0" cy="0"/>
+          <a:chOff x="0" y="0"/>
+          <a:chExt cx="0" cy="0"/>
+        </a:xfrm>
+      </p:grpSpPr>
+      <p:sp>
+        <p:nvSpPr>
+          <p:cNvPr id="2" name="Slide Image Placeholder 1"/>
+          <p:cNvSpPr>
+            <a:spLocks noGrp="1" noRot="1" noChangeAspect="1"/>
+          </p:cNvSpPr>
+          <p:nvPr>
+            <p:ph type="sldImg"/>
+          </p:nvPr>
+        </p:nvSpPr>
+        <p:spPr/>
+      </p:sp>
+      <p:sp>
+        <p:nvSpPr>
+          <p:cNvPr id="3" name="Notes Placeholder 2"/>
+          <p:cNvSpPr>
+            <a:spLocks noGrp="1"/>
+          </p:cNvSpPr>
+          <p:nvPr>
+            <p:ph type="body" idx="1"/>
+          </p:nvPr>
+        </p:nvSpPr>
+        <p:spPr/>
+        <p:txBody>
+          <a:bodyPr/>
+          <a:lstStyle/>
+          <a:p>
+            <a:endParaRPr lang="en-US"/>
+          </a:p>
+        </p:txBody>
+      </p:sp>
+      <p:sp>
+        <p:nvSpPr>
+          <p:cNvPr id="4" name="Slide Number Placeholder 3"/>
+          <p:cNvSpPr>
+            <a:spLocks noGrp="1"/>
+          </p:cNvSpPr>
+          <p:nvPr>
+            <p:ph type="sldNum" sz="quarter" idx="10"/>
+          </p:nvPr>
+        </p:nvSpPr>
+        <p:spPr/>
+        <p:txBody>
+          <a:bodyPr/>
+          <a:lstStyle/>
+          <a:p>
+            <a:pPr>
+              <a:defRPr/>
+            </a:pPr>
+            <a:fld id="{4B464497-61C4-46B0-ACA5-17230456BCD5}" type="slidenum">
+              <a:rPr lang="en-JM"/>
+              <a:pPr>
+                <a:defRPr/>
+              </a:pPr>
+              <a:t>12</a:t>
+            </a:fld>
+            <a:endParaRPr lang="en-JM"/>
+          </a:p>
+        </p:txBody>
+      </p:sp>
+    </p:spTree>
+    <p:extLst>
+      <p:ext uri="{BB962C8B-B14F-4D97-AF65-F5344CB8AC3E}">
+        <p14:creationId xmlns:p14="http://schemas.microsoft.com/office/powerpoint/2010/main" val="530728576"/>
+      </p:ext>
+    </p:extLst>
+  </p:cSld>
+  <p:clrMapOvr>
+    <a:masterClrMapping/>
+  </p:clrMapOvr>
+</p:notes>
+</file>
+
+<file path=ppt/notesSlides/notesSlide13.xml><?xml version="1.0" encoding="utf-8"?>
+<p:notes xmlns:a="http://schemas.openxmlformats.org/drawingml/2006/main" xmlns:r="http://schemas.openxmlformats.org/officeDocument/2006/relationships" xmlns:p="http://schemas.openxmlformats.org/presentationml/2006/main">
+  <p:cSld>
+    <p:spTree>
+      <p:nvGrpSpPr>
+        <p:cNvPr id="1" name=""/>
+        <p:cNvGrpSpPr/>
+        <p:nvPr/>
+      </p:nvGrpSpPr>
+      <p:grpSpPr>
+        <a:xfrm>
+          <a:off x="0" y="0"/>
+          <a:ext cx="0" cy="0"/>
+          <a:chOff x="0" y="0"/>
+          <a:chExt cx="0" cy="0"/>
+        </a:xfrm>
+      </p:grpSpPr>
+      <p:sp>
+        <p:nvSpPr>
+          <p:cNvPr id="2" name="Slide Image Placeholder 1"/>
+          <p:cNvSpPr>
+            <a:spLocks noGrp="1" noRot="1" noChangeAspect="1"/>
+          </p:cNvSpPr>
+          <p:nvPr>
+            <p:ph type="sldImg"/>
+          </p:nvPr>
+        </p:nvSpPr>
+        <p:spPr/>
+      </p:sp>
+      <p:sp>
+        <p:nvSpPr>
+          <p:cNvPr id="3" name="Notes Placeholder 2"/>
+          <p:cNvSpPr>
+            <a:spLocks noGrp="1"/>
+          </p:cNvSpPr>
+          <p:nvPr>
+            <p:ph type="body" idx="1"/>
+          </p:nvPr>
+        </p:nvSpPr>
+        <p:spPr/>
+        <p:txBody>
+          <a:bodyPr/>
+          <a:lstStyle/>
+          <a:p>
+            <a:endParaRPr lang="en-US"/>
+          </a:p>
+        </p:txBody>
+      </p:sp>
+      <p:sp>
+        <p:nvSpPr>
+          <p:cNvPr id="4" name="Slide Number Placeholder 3"/>
+          <p:cNvSpPr>
+            <a:spLocks noGrp="1"/>
+          </p:cNvSpPr>
+          <p:nvPr>
+            <p:ph type="sldNum" sz="quarter" idx="10"/>
+          </p:nvPr>
+        </p:nvSpPr>
+        <p:spPr/>
+        <p:txBody>
+          <a:bodyPr/>
+          <a:lstStyle/>
+          <a:p>
+            <a:pPr>
+              <a:defRPr/>
+            </a:pPr>
+            <a:fld id="{4B464497-61C4-46B0-ACA5-17230456BCD5}" type="slidenum">
+              <a:rPr lang="en-JM"/>
+              <a:pPr>
+                <a:defRPr/>
+              </a:pPr>
+              <a:t>13</a:t>
+            </a:fld>
+            <a:endParaRPr lang="en-JM"/>
+          </a:p>
+        </p:txBody>
+      </p:sp>
+    </p:spTree>
+    <p:extLst>
+      <p:ext uri="{BB962C8B-B14F-4D97-AF65-F5344CB8AC3E}">
+        <p14:creationId xmlns:p14="http://schemas.microsoft.com/office/powerpoint/2010/main" val="140712523"/>
+      </p:ext>
+    </p:extLst>
+  </p:cSld>
+  <p:clrMapOvr>
+    <a:masterClrMapping/>
+  </p:clrMapOvr>
+</p:notes>
+</file>
+
+<file path=ppt/notesSlides/notesSlide14.xml><?xml version="1.0" encoding="utf-8"?>
+<p:notes xmlns:a="http://schemas.openxmlformats.org/drawingml/2006/main" xmlns:r="http://schemas.openxmlformats.org/officeDocument/2006/relationships" xmlns:p="http://schemas.openxmlformats.org/presentationml/2006/main">
+  <p:cSld>
+    <p:spTree>
+      <p:nvGrpSpPr>
+        <p:cNvPr id="1" name=""/>
+        <p:cNvGrpSpPr/>
+        <p:nvPr/>
+      </p:nvGrpSpPr>
+      <p:grpSpPr>
+        <a:xfrm>
+          <a:off x="0" y="0"/>
+          <a:ext cx="0" cy="0"/>
+          <a:chOff x="0" y="0"/>
+          <a:chExt cx="0" cy="0"/>
+        </a:xfrm>
+      </p:grpSpPr>
+      <p:sp>
+        <p:nvSpPr>
+          <p:cNvPr id="2" name="Slide Image Placeholder 1"/>
+          <p:cNvSpPr>
+            <a:spLocks noGrp="1" noRot="1" noChangeAspect="1"/>
+          </p:cNvSpPr>
+          <p:nvPr>
+            <p:ph type="sldImg"/>
+          </p:nvPr>
+        </p:nvSpPr>
+        <p:spPr/>
+      </p:sp>
+      <p:sp>
+        <p:nvSpPr>
+          <p:cNvPr id="3" name="Notes Placeholder 2"/>
+          <p:cNvSpPr>
+            <a:spLocks noGrp="1"/>
+          </p:cNvSpPr>
+          <p:nvPr>
+            <p:ph type="body" idx="1"/>
+          </p:nvPr>
+        </p:nvSpPr>
+        <p:spPr/>
+        <p:txBody>
+          <a:bodyPr/>
+          <a:lstStyle/>
+          <a:p>
+            <a:endParaRPr lang="en-US"/>
+          </a:p>
+        </p:txBody>
+      </p:sp>
+      <p:sp>
+        <p:nvSpPr>
+          <p:cNvPr id="4" name="Slide Number Placeholder 3"/>
+          <p:cNvSpPr>
+            <a:spLocks noGrp="1"/>
+          </p:cNvSpPr>
+          <p:nvPr>
+            <p:ph type="sldNum" sz="quarter" idx="10"/>
+          </p:nvPr>
+        </p:nvSpPr>
+        <p:spPr/>
+        <p:txBody>
+          <a:bodyPr/>
+          <a:lstStyle/>
+          <a:p>
+            <a:pPr>
+              <a:defRPr/>
+            </a:pPr>
+            <a:fld id="{4B464497-61C4-46B0-ACA5-17230456BCD5}" type="slidenum">
+              <a:rPr lang="en-JM"/>
+              <a:pPr>
+                <a:defRPr/>
+              </a:pPr>
+              <a:t>14</a:t>
+            </a:fld>
+            <a:endParaRPr lang="en-JM"/>
+          </a:p>
+        </p:txBody>
+      </p:sp>
+    </p:spTree>
+    <p:extLst>
+      <p:ext uri="{BB962C8B-B14F-4D97-AF65-F5344CB8AC3E}">
+        <p14:creationId xmlns:p14="http://schemas.microsoft.com/office/powerpoint/2010/main" val="829608127"/>
+      </p:ext>
+    </p:extLst>
+  </p:cSld>
+  <p:clrMapOvr>
+    <a:masterClrMapping/>
+  </p:clrMapOvr>
+</p:notes>
+</file>
+
+<file path=ppt/notesSlides/notesSlide2.xml><?xml version="1.0" encoding="utf-8"?>
+<p:notes xmlns:a="http://schemas.openxmlformats.org/drawingml/2006/main" xmlns:r="http://schemas.openxmlformats.org/officeDocument/2006/relationships" xmlns:p="http://schemas.openxmlformats.org/presentationml/2006/main">
+  <p:cSld>
+    <p:spTree>
+      <p:nvGrpSpPr>
+        <p:cNvPr id="1" name=""/>
+        <p:cNvGrpSpPr/>
+        <p:nvPr/>
+      </p:nvGrpSpPr>
+      <p:grpSpPr>
+        <a:xfrm>
+          <a:off x="0" y="0"/>
+          <a:ext cx="0" cy="0"/>
+          <a:chOff x="0" y="0"/>
+          <a:chExt cx="0" cy="0"/>
+        </a:xfrm>
+      </p:grpSpPr>
+      <p:sp>
+        <p:nvSpPr>
+          <p:cNvPr id="2" name="Slide Image Placeholder 1"/>
+          <p:cNvSpPr>
+            <a:spLocks noGrp="1" noRot="1" noChangeAspect="1"/>
+          </p:cNvSpPr>
+          <p:nvPr>
+            <p:ph type="sldImg"/>
+          </p:nvPr>
+        </p:nvSpPr>
+        <p:spPr/>
+      </p:sp>
+      <p:sp>
+        <p:nvSpPr>
+          <p:cNvPr id="3" name="Notes Placeholder 2"/>
+          <p:cNvSpPr>
+            <a:spLocks noGrp="1"/>
+          </p:cNvSpPr>
+          <p:nvPr>
+            <p:ph type="body" idx="1"/>
+          </p:nvPr>
+        </p:nvSpPr>
+        <p:spPr/>
+        <p:txBody>
+          <a:bodyPr/>
+          <a:lstStyle/>
+          <a:p>
+            <a:endParaRPr lang="en-US"/>
+          </a:p>
+        </p:txBody>
+      </p:sp>
+      <p:sp>
+        <p:nvSpPr>
+          <p:cNvPr id="4" name="Slide Number Placeholder 3"/>
+          <p:cNvSpPr>
+            <a:spLocks noGrp="1"/>
+          </p:cNvSpPr>
+          <p:nvPr>
+            <p:ph type="sldNum" sz="quarter" idx="10"/>
+          </p:nvPr>
+        </p:nvSpPr>
+        <p:spPr/>
+        <p:txBody>
+          <a:bodyPr/>
+          <a:lstStyle/>
+          <a:p>
+            <a:pPr>
+              <a:defRPr/>
+            </a:pPr>
+            <a:fld id="{4B464497-61C4-46B0-ACA5-17230456BCD5}" type="slidenum">
+              <a:rPr lang="en-JM"/>
+              <a:pPr>
+                <a:defRPr/>
+              </a:pPr>
+              <a:t>2</a:t>
+            </a:fld>
+            <a:endParaRPr lang="en-JM"/>
+          </a:p>
+        </p:txBody>
+      </p:sp>
+    </p:spTree>
+    <p:extLst>
+      <p:ext uri="{BB962C8B-B14F-4D97-AF65-F5344CB8AC3E}">
+        <p14:creationId xmlns:p14="http://schemas.microsoft.com/office/powerpoint/2010/main" val="601957418"/>
+      </p:ext>
+    </p:extLst>
+  </p:cSld>
+  <p:clrMapOvr>
+    <a:masterClrMapping/>
+  </p:clrMapOvr>
+</p:notes>
+</file>
+
+<file path=ppt/notesSlides/notesSlide3.xml><?xml version="1.0" encoding="utf-8"?>
+<p:notes xmlns:a="http://schemas.openxmlformats.org/drawingml/2006/main" xmlns:r="http://schemas.openxmlformats.org/officeDocument/2006/relationships" xmlns:p="http://schemas.openxmlformats.org/presentationml/2006/main">
+  <p:cSld>
+    <p:spTree>
+      <p:nvGrpSpPr>
+        <p:cNvPr id="1" name=""/>
+        <p:cNvGrpSpPr/>
+        <p:nvPr/>
+      </p:nvGrpSpPr>
+      <p:grpSpPr>
+        <a:xfrm>
+          <a:off x="0" y="0"/>
+          <a:ext cx="0" cy="0"/>
+          <a:chOff x="0" y="0"/>
+          <a:chExt cx="0" cy="0"/>
+        </a:xfrm>
+      </p:grpSpPr>
+      <p:sp>
+        <p:nvSpPr>
+          <p:cNvPr id="2" name="Slide Image Placeholder 1"/>
+          <p:cNvSpPr>
+            <a:spLocks noGrp="1" noRot="1" noChangeAspect="1"/>
+          </p:cNvSpPr>
+          <p:nvPr>
+            <p:ph type="sldImg"/>
+          </p:nvPr>
+        </p:nvSpPr>
+        <p:spPr/>
+      </p:sp>
+      <p:sp>
+        <p:nvSpPr>
+          <p:cNvPr id="3" name="Notes Placeholder 2"/>
+          <p:cNvSpPr>
+            <a:spLocks noGrp="1"/>
+          </p:cNvSpPr>
+          <p:nvPr>
+            <p:ph type="body" idx="1"/>
+          </p:nvPr>
+        </p:nvSpPr>
+        <p:spPr/>
+        <p:txBody>
+          <a:bodyPr/>
+          <a:lstStyle/>
+          <a:p>
+            <a:endParaRPr lang="en-US"/>
+          </a:p>
+        </p:txBody>
+      </p:sp>
+      <p:sp>
+        <p:nvSpPr>
+          <p:cNvPr id="4" name="Slide Number Placeholder 3"/>
+          <p:cNvSpPr>
+            <a:spLocks noGrp="1"/>
+          </p:cNvSpPr>
+          <p:nvPr>
+            <p:ph type="sldNum" sz="quarter" idx="10"/>
+          </p:nvPr>
+        </p:nvSpPr>
+        <p:spPr/>
+        <p:txBody>
+          <a:bodyPr/>
+          <a:lstStyle/>
+          <a:p>
+            <a:pPr>
+              <a:defRPr/>
+            </a:pPr>
+            <a:fld id="{4B464497-61C4-46B0-ACA5-17230456BCD5}" type="slidenum">
+              <a:rPr lang="en-JM"/>
+              <a:pPr>
+                <a:defRPr/>
+              </a:pPr>
+              <a:t>3</a:t>
+            </a:fld>
+            <a:endParaRPr lang="en-JM"/>
+          </a:p>
+        </p:txBody>
+      </p:sp>
+    </p:spTree>
+    <p:extLst>
+      <p:ext uri="{BB962C8B-B14F-4D97-AF65-F5344CB8AC3E}">
+        <p14:creationId xmlns:p14="http://schemas.microsoft.com/office/powerpoint/2010/main" val="2466409816"/>
+      </p:ext>
+    </p:extLst>
+  </p:cSld>
+  <p:clrMapOvr>
+    <a:masterClrMapping/>
+  </p:clrMapOvr>
+</p:notes>
+</file>
+
+<file path=ppt/notesSlides/notesSlide4.xml><?xml version="1.0" encoding="utf-8"?>
+<p:notes xmlns:a="http://schemas.openxmlformats.org/drawingml/2006/main" xmlns:r="http://schemas.openxmlformats.org/officeDocument/2006/relationships" xmlns:p="http://schemas.openxmlformats.org/presentationml/2006/main">
+  <p:cSld>
+    <p:spTree>
+      <p:nvGrpSpPr>
+        <p:cNvPr id="1" name=""/>
+        <p:cNvGrpSpPr/>
+        <p:nvPr/>
+      </p:nvGrpSpPr>
+      <p:grpSpPr>
+        <a:xfrm>
+          <a:off x="0" y="0"/>
+          <a:ext cx="0" cy="0"/>
+          <a:chOff x="0" y="0"/>
+          <a:chExt cx="0" cy="0"/>
+        </a:xfrm>
+      </p:grpSpPr>
+      <p:sp>
+        <p:nvSpPr>
+          <p:cNvPr id="2" name="Slide Image Placeholder 1"/>
+          <p:cNvSpPr>
+            <a:spLocks noGrp="1" noRot="1" noChangeAspect="1"/>
+          </p:cNvSpPr>
+          <p:nvPr>
+            <p:ph type="sldImg"/>
+          </p:nvPr>
+        </p:nvSpPr>
+        <p:spPr/>
+      </p:sp>
+      <p:sp>
+        <p:nvSpPr>
+          <p:cNvPr id="3" name="Notes Placeholder 2"/>
+          <p:cNvSpPr>
+            <a:spLocks noGrp="1"/>
+          </p:cNvSpPr>
+          <p:nvPr>
+            <p:ph type="body" idx="1"/>
+          </p:nvPr>
+        </p:nvSpPr>
+        <p:spPr/>
+        <p:txBody>
+          <a:bodyPr/>
+          <a:lstStyle/>
+          <a:p>
+            <a:endParaRPr lang="en-US"/>
+          </a:p>
+        </p:txBody>
+      </p:sp>
+      <p:sp>
+        <p:nvSpPr>
+          <p:cNvPr id="4" name="Slide Number Placeholder 3"/>
+          <p:cNvSpPr>
+            <a:spLocks noGrp="1"/>
+          </p:cNvSpPr>
+          <p:nvPr>
+            <p:ph type="sldNum" sz="quarter" idx="10"/>
+          </p:nvPr>
+        </p:nvSpPr>
+        <p:spPr/>
+        <p:txBody>
+          <a:bodyPr/>
+          <a:lstStyle/>
+          <a:p>
+            <a:pPr>
+              <a:defRPr/>
+            </a:pPr>
+            <a:fld id="{4B464497-61C4-46B0-ACA5-17230456BCD5}" type="slidenum">
+              <a:rPr lang="en-JM"/>
+              <a:pPr>
+                <a:defRPr/>
+              </a:pPr>
+              <a:t>4</a:t>
+            </a:fld>
+            <a:endParaRPr lang="en-JM"/>
+          </a:p>
+        </p:txBody>
+      </p:sp>
+    </p:spTree>
+    <p:extLst>
+      <p:ext uri="{BB962C8B-B14F-4D97-AF65-F5344CB8AC3E}">
+        <p14:creationId xmlns:p14="http://schemas.microsoft.com/office/powerpoint/2010/main" val="703818763"/>
+      </p:ext>
+    </p:extLst>
+  </p:cSld>
+  <p:clrMapOvr>
+    <a:masterClrMapping/>
+  </p:clrMapOvr>
+</p:notes>
+</file>
+
+<file path=ppt/notesSlides/notesSlide5.xml><?xml version="1.0" encoding="utf-8"?>
+<p:notes xmlns:a="http://schemas.openxmlformats.org/drawingml/2006/main" xmlns:r="http://schemas.openxmlformats.org/officeDocument/2006/relationships" xmlns:p="http://schemas.openxmlformats.org/presentationml/2006/main">
+  <p:cSld>
+    <p:spTree>
+      <p:nvGrpSpPr>
+        <p:cNvPr id="1" name=""/>
+        <p:cNvGrpSpPr/>
+        <p:nvPr/>
+      </p:nvGrpSpPr>
+      <p:grpSpPr>
+        <a:xfrm>
+          <a:off x="0" y="0"/>
+          <a:ext cx="0" cy="0"/>
+          <a:chOff x="0" y="0"/>
+          <a:chExt cx="0" cy="0"/>
+        </a:xfrm>
+      </p:grpSpPr>
+      <p:sp>
+        <p:nvSpPr>
+          <p:cNvPr id="2" name="Slide Image Placeholder 1"/>
+          <p:cNvSpPr>
+            <a:spLocks noGrp="1" noRot="1" noChangeAspect="1"/>
+          </p:cNvSpPr>
+          <p:nvPr>
+            <p:ph type="sldImg"/>
+          </p:nvPr>
+        </p:nvSpPr>
+        <p:spPr/>
+      </p:sp>
+      <p:sp>
+        <p:nvSpPr>
+          <p:cNvPr id="3" name="Notes Placeholder 2"/>
+          <p:cNvSpPr>
+            <a:spLocks noGrp="1"/>
+          </p:cNvSpPr>
+          <p:nvPr>
+            <p:ph type="body" idx="1"/>
+          </p:nvPr>
+        </p:nvSpPr>
+        <p:spPr/>
+        <p:txBody>
+          <a:bodyPr/>
+          <a:lstStyle/>
+          <a:p>
+            <a:endParaRPr lang="en-US"/>
+          </a:p>
+        </p:txBody>
+      </p:sp>
+      <p:sp>
+        <p:nvSpPr>
+          <p:cNvPr id="4" name="Slide Number Placeholder 3"/>
+          <p:cNvSpPr>
+            <a:spLocks noGrp="1"/>
+          </p:cNvSpPr>
+          <p:nvPr>
+            <p:ph type="sldNum" sz="quarter" idx="10"/>
+          </p:nvPr>
+        </p:nvSpPr>
+        <p:spPr/>
+        <p:txBody>
+          <a:bodyPr/>
+          <a:lstStyle/>
+          <a:p>
+            <a:pPr>
+              <a:defRPr/>
+            </a:pPr>
+            <a:fld id="{4B464497-61C4-46B0-ACA5-17230456BCD5}" type="slidenum">
+              <a:rPr lang="en-JM"/>
+              <a:pPr>
+                <a:defRPr/>
+              </a:pPr>
+              <a:t>5</a:t>
+            </a:fld>
+            <a:endParaRPr lang="en-JM"/>
+          </a:p>
+        </p:txBody>
+      </p:sp>
+    </p:spTree>
+    <p:extLst>
+      <p:ext uri="{BB962C8B-B14F-4D97-AF65-F5344CB8AC3E}">
+        <p14:creationId xmlns:p14="http://schemas.microsoft.com/office/powerpoint/2010/main" val="922143915"/>
+      </p:ext>
+    </p:extLst>
+  </p:cSld>
+  <p:clrMapOvr>
+    <a:masterClrMapping/>
+  </p:clrMapOvr>
+</p:notes>
+</file>
+
+<file path=ppt/notesSlides/notesSlide6.xml><?xml version="1.0" encoding="utf-8"?>
+<p:notes xmlns:a="http://schemas.openxmlformats.org/drawingml/2006/main" xmlns:r="http://schemas.openxmlformats.org/officeDocument/2006/relationships" xmlns:p="http://schemas.openxmlformats.org/presentationml/2006/main">
+  <p:cSld>
+    <p:spTree>
+      <p:nvGrpSpPr>
+        <p:cNvPr id="1" name=""/>
+        <p:cNvGrpSpPr/>
+        <p:nvPr/>
+      </p:nvGrpSpPr>
+      <p:grpSpPr>
+        <a:xfrm>
+          <a:off x="0" y="0"/>
+          <a:ext cx="0" cy="0"/>
+          <a:chOff x="0" y="0"/>
+          <a:chExt cx="0" cy="0"/>
+        </a:xfrm>
+      </p:grpSpPr>
+      <p:sp>
+        <p:nvSpPr>
+          <p:cNvPr id="2" name="Slide Image Placeholder 1"/>
+          <p:cNvSpPr>
+            <a:spLocks noGrp="1" noRot="1" noChangeAspect="1"/>
+          </p:cNvSpPr>
+          <p:nvPr>
+            <p:ph type="sldImg"/>
+          </p:nvPr>
+        </p:nvSpPr>
+        <p:spPr/>
+      </p:sp>
+      <p:sp>
+        <p:nvSpPr>
+          <p:cNvPr id="3" name="Notes Placeholder 2"/>
+          <p:cNvSpPr>
+            <a:spLocks noGrp="1"/>
+          </p:cNvSpPr>
+          <p:nvPr>
+            <p:ph type="body" idx="1"/>
+          </p:nvPr>
+        </p:nvSpPr>
+        <p:spPr/>
+        <p:txBody>
+          <a:bodyPr/>
+          <a:lstStyle/>
+          <a:p>
+            <a:endParaRPr lang="en-US"/>
+          </a:p>
+        </p:txBody>
+      </p:sp>
+      <p:sp>
+        <p:nvSpPr>
+          <p:cNvPr id="4" name="Slide Number Placeholder 3"/>
+          <p:cNvSpPr>
+            <a:spLocks noGrp="1"/>
+          </p:cNvSpPr>
+          <p:nvPr>
+            <p:ph type="sldNum" sz="quarter" idx="10"/>
+          </p:nvPr>
+        </p:nvSpPr>
+        <p:spPr/>
+        <p:txBody>
+          <a:bodyPr/>
+          <a:lstStyle/>
+          <a:p>
+            <a:pPr>
+              <a:defRPr/>
+            </a:pPr>
+            <a:fld id="{4B464497-61C4-46B0-ACA5-17230456BCD5}" type="slidenum">
+              <a:rPr lang="en-JM"/>
+              <a:pPr>
+                <a:defRPr/>
+              </a:pPr>
+              <a:t>6</a:t>
+            </a:fld>
+            <a:endParaRPr lang="en-JM"/>
+          </a:p>
+        </p:txBody>
+      </p:sp>
+    </p:spTree>
+    <p:extLst>
+      <p:ext uri="{BB962C8B-B14F-4D97-AF65-F5344CB8AC3E}">
+        <p14:creationId xmlns:p14="http://schemas.microsoft.com/office/powerpoint/2010/main" val="2060532658"/>
+      </p:ext>
+    </p:extLst>
+  </p:cSld>
+  <p:clrMapOvr>
+    <a:masterClrMapping/>
+  </p:clrMapOvr>
+</p:notes>
+</file>
+
+<file path=ppt/notesSlides/notesSlide7.xml><?xml version="1.0" encoding="utf-8"?>
+<p:notes xmlns:a="http://schemas.openxmlformats.org/drawingml/2006/main" xmlns:r="http://schemas.openxmlformats.org/officeDocument/2006/relationships" xmlns:p="http://schemas.openxmlformats.org/presentationml/2006/main">
+  <p:cSld>
+    <p:spTree>
+      <p:nvGrpSpPr>
+        <p:cNvPr id="1" name=""/>
+        <p:cNvGrpSpPr/>
+        <p:nvPr/>
+      </p:nvGrpSpPr>
+      <p:grpSpPr>
+        <a:xfrm>
+          <a:off x="0" y="0"/>
+          <a:ext cx="0" cy="0"/>
+          <a:chOff x="0" y="0"/>
+          <a:chExt cx="0" cy="0"/>
+        </a:xfrm>
+      </p:grpSpPr>
+      <p:sp>
+        <p:nvSpPr>
+          <p:cNvPr id="2" name="Slide Image Placeholder 1"/>
+          <p:cNvSpPr>
+            <a:spLocks noGrp="1" noRot="1" noChangeAspect="1"/>
+          </p:cNvSpPr>
+          <p:nvPr>
+            <p:ph type="sldImg"/>
+          </p:nvPr>
+        </p:nvSpPr>
+        <p:spPr/>
+      </p:sp>
+      <p:sp>
+        <p:nvSpPr>
+          <p:cNvPr id="3" name="Notes Placeholder 2"/>
+          <p:cNvSpPr>
+            <a:spLocks noGrp="1"/>
+          </p:cNvSpPr>
+          <p:nvPr>
+            <p:ph type="body" idx="1"/>
+          </p:nvPr>
+        </p:nvSpPr>
+        <p:spPr/>
+        <p:txBody>
+          <a:bodyPr/>
+          <a:lstStyle/>
+          <a:p>
+            <a:endParaRPr lang="en-US"/>
+          </a:p>
+        </p:txBody>
+      </p:sp>
+      <p:sp>
+        <p:nvSpPr>
+          <p:cNvPr id="4" name="Slide Number Placeholder 3"/>
+          <p:cNvSpPr>
+            <a:spLocks noGrp="1"/>
+          </p:cNvSpPr>
+          <p:nvPr>
+            <p:ph type="sldNum" sz="quarter" idx="10"/>
+          </p:nvPr>
+        </p:nvSpPr>
+        <p:spPr/>
+        <p:txBody>
+          <a:bodyPr/>
+          <a:lstStyle/>
+          <a:p>
+            <a:pPr>
+              <a:defRPr/>
+            </a:pPr>
+            <a:fld id="{4B464497-61C4-46B0-ACA5-17230456BCD5}" type="slidenum">
+              <a:rPr lang="en-JM"/>
+              <a:pPr>
+                <a:defRPr/>
+              </a:pPr>
+              <a:t>7</a:t>
+            </a:fld>
+            <a:endParaRPr lang="en-JM"/>
+          </a:p>
+        </p:txBody>
+      </p:sp>
+    </p:spTree>
+    <p:extLst>
+      <p:ext uri="{BB962C8B-B14F-4D97-AF65-F5344CB8AC3E}">
+        <p14:creationId xmlns:p14="http://schemas.microsoft.com/office/powerpoint/2010/main" val="143385225"/>
+      </p:ext>
+    </p:extLst>
+  </p:cSld>
+  <p:clrMapOvr>
+    <a:masterClrMapping/>
+  </p:clrMapOvr>
+</p:notes>
+</file>
+
+<file path=ppt/notesSlides/notesSlide8.xml><?xml version="1.0" encoding="utf-8"?>
+<p:notes xmlns:a="http://schemas.openxmlformats.org/drawingml/2006/main" xmlns:r="http://schemas.openxmlformats.org/officeDocument/2006/relationships" xmlns:p="http://schemas.openxmlformats.org/presentationml/2006/main">
+  <p:cSld>
+    <p:spTree>
+      <p:nvGrpSpPr>
+        <p:cNvPr id="1" name=""/>
+        <p:cNvGrpSpPr/>
+        <p:nvPr/>
+      </p:nvGrpSpPr>
+      <p:grpSpPr>
+        <a:xfrm>
+          <a:off x="0" y="0"/>
+          <a:ext cx="0" cy="0"/>
+          <a:chOff x="0" y="0"/>
+          <a:chExt cx="0" cy="0"/>
+        </a:xfrm>
+      </p:grpSpPr>
+      <p:sp>
+        <p:nvSpPr>
+          <p:cNvPr id="2" name="Slide Image Placeholder 1"/>
+          <p:cNvSpPr>
+            <a:spLocks noGrp="1" noRot="1" noChangeAspect="1"/>
+          </p:cNvSpPr>
+          <p:nvPr>
+            <p:ph type="sldImg"/>
+          </p:nvPr>
+        </p:nvSpPr>
+        <p:spPr/>
+      </p:sp>
+      <p:sp>
+        <p:nvSpPr>
+          <p:cNvPr id="3" name="Notes Placeholder 2"/>
+          <p:cNvSpPr>
+            <a:spLocks noGrp="1"/>
+          </p:cNvSpPr>
+          <p:nvPr>
+            <p:ph type="body" idx="1"/>
+          </p:nvPr>
+        </p:nvSpPr>
+        <p:spPr/>
+        <p:txBody>
+          <a:bodyPr/>
+          <a:lstStyle/>
+          <a:p>
+            <a:endParaRPr lang="en-US"/>
+          </a:p>
+        </p:txBody>
+      </p:sp>
+      <p:sp>
+        <p:nvSpPr>
+          <p:cNvPr id="4" name="Slide Number Placeholder 3"/>
+          <p:cNvSpPr>
+            <a:spLocks noGrp="1"/>
+          </p:cNvSpPr>
+          <p:nvPr>
+            <p:ph type="sldNum" sz="quarter" idx="10"/>
+          </p:nvPr>
+        </p:nvSpPr>
+        <p:spPr/>
+        <p:txBody>
+          <a:bodyPr/>
+          <a:lstStyle/>
+          <a:p>
+            <a:pPr>
+              <a:defRPr/>
+            </a:pPr>
+            <a:fld id="{4B464497-61C4-46B0-ACA5-17230456BCD5}" type="slidenum">
+              <a:rPr lang="en-JM"/>
+              <a:pPr>
+                <a:defRPr/>
+              </a:pPr>
+              <a:t>8</a:t>
+            </a:fld>
+            <a:endParaRPr lang="en-JM"/>
+          </a:p>
+        </p:txBody>
+      </p:sp>
+    </p:spTree>
+    <p:extLst>
+      <p:ext uri="{BB962C8B-B14F-4D97-AF65-F5344CB8AC3E}">
+        <p14:creationId xmlns:p14="http://schemas.microsoft.com/office/powerpoint/2010/main" val="2602677860"/>
+      </p:ext>
+    </p:extLst>
+  </p:cSld>
+  <p:clrMapOvr>
+    <a:masterClrMapping/>
+  </p:clrMapOvr>
+</p:notes>
+</file>
+
+<file path=ppt/notesSlides/notesSlide9.xml><?xml version="1.0" encoding="utf-8"?>
+<p:notes xmlns:a="http://schemas.openxmlformats.org/drawingml/2006/main" xmlns:r="http://schemas.openxmlformats.org/officeDocument/2006/relationships" xmlns:p="http://schemas.openxmlformats.org/presentationml/2006/main">
+  <p:cSld>
+    <p:spTree>
+      <p:nvGrpSpPr>
+        <p:cNvPr id="1" name=""/>
+        <p:cNvGrpSpPr/>
+        <p:nvPr/>
+      </p:nvGrpSpPr>
+      <p:grpSpPr>
+        <a:xfrm>
+          <a:off x="0" y="0"/>
+          <a:ext cx="0" cy="0"/>
+          <a:chOff x="0" y="0"/>
+          <a:chExt cx="0" cy="0"/>
+        </a:xfrm>
+      </p:grpSpPr>
+      <p:sp>
+        <p:nvSpPr>
+          <p:cNvPr id="2" name="Slide Image Placeholder 1"/>
+          <p:cNvSpPr>
+            <a:spLocks noGrp="1" noRot="1" noChangeAspect="1"/>
+          </p:cNvSpPr>
+          <p:nvPr>
+            <p:ph type="sldImg"/>
+          </p:nvPr>
+        </p:nvSpPr>
+        <p:spPr/>
+      </p:sp>
+      <p:sp>
+        <p:nvSpPr>
+          <p:cNvPr id="3" name="Notes Placeholder 2"/>
+          <p:cNvSpPr>
+            <a:spLocks noGrp="1"/>
+          </p:cNvSpPr>
+          <p:nvPr>
+            <p:ph type="body" idx="1"/>
+          </p:nvPr>
+        </p:nvSpPr>
+        <p:spPr/>
+        <p:txBody>
+          <a:bodyPr/>
+          <a:lstStyle/>
+          <a:p>
+            <a:endParaRPr lang="en-US"/>
+          </a:p>
+        </p:txBody>
+      </p:sp>
+      <p:sp>
+        <p:nvSpPr>
+          <p:cNvPr id="4" name="Slide Number Placeholder 3"/>
+          <p:cNvSpPr>
+            <a:spLocks noGrp="1"/>
+          </p:cNvSpPr>
+          <p:nvPr>
+            <p:ph type="sldNum" sz="quarter" idx="10"/>
+          </p:nvPr>
+        </p:nvSpPr>
+        <p:spPr/>
+        <p:txBody>
+          <a:bodyPr/>
+          <a:lstStyle/>
+          <a:p>
+            <a:pPr>
+              <a:defRPr/>
+            </a:pPr>
+            <a:fld id="{4B464497-61C4-46B0-ACA5-17230456BCD5}" type="slidenum">
+              <a:rPr lang="en-JM"/>
+              <a:pPr>
+                <a:defRPr/>
+              </a:pPr>
+              <a:t>9</a:t>
+            </a:fld>
+            <a:endParaRPr lang="en-JM"/>
+          </a:p>
+        </p:txBody>
+      </p:sp>
+    </p:spTree>
+    <p:extLst>
+      <p:ext uri="{BB962C8B-B14F-4D97-AF65-F5344CB8AC3E}">
+        <p14:creationId xmlns:p14="http://schemas.microsoft.com/office/powerpoint/2010/main" val="767851439"/>
+      </p:ext>
+    </p:extLst>
+  </p:cSld>
+  <p:clrMapOvr>
+    <a:masterClrMapping/>
+  </p:clrMapOvr>
+</p:notes>
 </file>
 
 <file path=ppt/slideLayouts/slideLayout1.xml><?xml version="1.0" encoding="utf-8"?>
@@ -16211,7 +17473,7 @@
           <p:nvPr/>
         </p:nvPicPr>
         <p:blipFill>
-          <a:blip r:embed="rId2">
+          <a:blip r:embed="rId3">
             <a:extLst>
               <a:ext uri="{28A0092B-C50C-407E-A947-70E740481C1C}">
                 <a14:useLocalDpi xmlns:a14="http://schemas.microsoft.com/office/drawing/2010/main" val="0"/>
@@ -16777,7 +18039,7 @@
           <a:p>
             <a:r>
               <a:rPr lang="en-US" dirty="0" smtClean="0"/>
-              <a:t>Conclusions</a:t>
+              <a:t>Results</a:t>
             </a:r>
             <a:endParaRPr lang="en-US" dirty="0"/>
           </a:p>
@@ -16799,60 +18061,76 @@
           <a:lstStyle/>
           <a:p>
             <a:r>
-              <a:rPr lang="en-US" dirty="0" err="1" smtClean="0"/>
-              <a:t>BioRubeBot</a:t>
-            </a:r>
-            <a:r>
-              <a:rPr lang="en-US" dirty="0" smtClean="0"/>
-              <a:t> now is ready to take to the next level</a:t>
-            </a:r>
-          </a:p>
-          <a:p>
-            <a:pPr lvl="1"/>
-            <a:r>
-              <a:rPr lang="en-US" dirty="0" smtClean="0"/>
-              <a:t>More levels</a:t>
-            </a:r>
-          </a:p>
-          <a:p>
-            <a:pPr lvl="1"/>
-            <a:r>
-              <a:rPr lang="en-US" dirty="0" smtClean="0"/>
-              <a:t>Game like features</a:t>
-            </a:r>
-          </a:p>
-          <a:p>
-            <a:pPr lvl="1"/>
-            <a:r>
-              <a:rPr lang="en-US" dirty="0" smtClean="0"/>
-              <a:t>Incorporating</a:t>
-            </a:r>
-            <a:r>
-              <a:rPr lang="en-US" dirty="0" smtClean="0"/>
-              <a:t> more dynamic functionality</a:t>
-            </a:r>
-          </a:p>
-          <a:p>
-            <a:pPr lvl="1"/>
-            <a:endParaRPr lang="en-US" dirty="0"/>
-          </a:p>
-          <a:p>
-            <a:pPr lvl="1"/>
-            <a:endParaRPr lang="en-US" dirty="0" smtClean="0"/>
-          </a:p>
-          <a:p>
-            <a:r>
-              <a:rPr lang="en-US" dirty="0" smtClean="0"/>
-              <a:t>It was not always easy but we feel we are turning over an improved project than the one we inherited which we felt was part of our goal as well </a:t>
-            </a:r>
-            <a:r>
-              <a:rPr lang="en-US" smtClean="0"/>
-              <a:t>as meeting the </a:t>
-            </a:r>
-            <a:r>
-              <a:rPr lang="en-US" dirty="0" smtClean="0"/>
-              <a:t>project requirements </a:t>
-            </a:r>
+              <a:rPr lang="en-US" b="1" dirty="0"/>
+              <a:t>The game </a:t>
+            </a:r>
+            <a:r>
+              <a:rPr lang="en-US" b="1" dirty="0" smtClean="0"/>
+              <a:t>feels </a:t>
+            </a:r>
+            <a:r>
+              <a:rPr lang="en-US" b="1" dirty="0"/>
+              <a:t>more </a:t>
+            </a:r>
+            <a:r>
+              <a:rPr lang="en-US" b="1" dirty="0" smtClean="0"/>
+              <a:t>alive </a:t>
+            </a:r>
+            <a:endParaRPr lang="en-US" b="1" dirty="0"/>
+          </a:p>
+          <a:p>
+            <a:r>
+              <a:rPr lang="en-US" b="1" dirty="0"/>
+              <a:t>The source code is easier to follow than what was given to our </a:t>
+            </a:r>
+            <a:r>
+              <a:rPr lang="en-US" b="1" dirty="0" smtClean="0"/>
+              <a:t>group</a:t>
+            </a:r>
+            <a:endParaRPr lang="en-US" b="1" dirty="0"/>
+          </a:p>
+          <a:p>
+            <a:r>
+              <a:rPr lang="en-US" b="1" dirty="0"/>
+              <a:t>The source code has been refactored to be more </a:t>
+            </a:r>
+            <a:r>
+              <a:rPr lang="en-US" b="1" dirty="0" smtClean="0"/>
+              <a:t>dynamic</a:t>
+            </a:r>
+            <a:endParaRPr lang="en-US" b="1" dirty="0"/>
+          </a:p>
+          <a:p>
+            <a:r>
+              <a:rPr lang="en-US" b="1" dirty="0"/>
+              <a:t>The source code has been refactored eliminating much of the copy and paste code that existed </a:t>
+            </a:r>
+            <a:r>
+              <a:rPr lang="en-US" b="1" dirty="0" smtClean="0"/>
+              <a:t>and </a:t>
+            </a:r>
+            <a:r>
+              <a:rPr lang="en-US" b="1" dirty="0"/>
+              <a:t>now uses </a:t>
+            </a:r>
+            <a:r>
+              <a:rPr lang="en-US" b="1" dirty="0" smtClean="0"/>
+              <a:t>a class with static methods </a:t>
+            </a:r>
+            <a:r>
+              <a:rPr lang="en-US" b="1" dirty="0"/>
+              <a:t>to handle repeating </a:t>
+            </a:r>
+            <a:r>
+              <a:rPr lang="en-US" b="1" dirty="0" smtClean="0"/>
+              <a:t>functionality</a:t>
+            </a:r>
+            <a:endParaRPr lang="en-US" b="1" dirty="0"/>
+          </a:p>
+          <a:p>
+            <a:pPr marL="0" indent="0">
+              <a:buNone/>
+            </a:pPr>
             <a:endParaRPr lang="en-US" dirty="0"/>
           </a:p>
         </p:txBody>
@@ -16860,7 +18138,7 @@
     </p:spTree>
     <p:extLst>
       <p:ext uri="{BB962C8B-B14F-4D97-AF65-F5344CB8AC3E}">
-        <p14:creationId xmlns:p14="http://schemas.microsoft.com/office/powerpoint/2010/main" val="2212414703"/>
+        <p14:creationId xmlns:p14="http://schemas.microsoft.com/office/powerpoint/2010/main" val="2771877381"/>
       </p:ext>
     </p:extLst>
   </p:cSld>
@@ -16911,7 +18189,7 @@
           <a:p>
             <a:r>
               <a:rPr lang="en-US" dirty="0" smtClean="0"/>
-              <a:t>Next steps</a:t>
+              <a:t>Demonstration</a:t>
             </a:r>
             <a:endParaRPr lang="en-US" dirty="0"/>
           </a:p>
@@ -16933,69 +18211,112 @@
           <a:lstStyle/>
           <a:p>
             <a:r>
+              <a:rPr lang="en-US" b="1" dirty="0" smtClean="0"/>
+              <a:t>Previous Version:</a:t>
+            </a:r>
+          </a:p>
+          <a:p>
+            <a:pPr lvl="1"/>
+            <a:r>
               <a:rPr lang="en-US" dirty="0" smtClean="0"/>
-              <a:t>Adding more levels </a:t>
-            </a:r>
-          </a:p>
-          <a:p>
+              <a:t>Tutorial</a:t>
+            </a:r>
+          </a:p>
+          <a:p>
+            <a:pPr lvl="1"/>
             <a:r>
               <a:rPr lang="en-US" dirty="0" smtClean="0"/>
-              <a:t>Adding game features like score keeping and user interaction</a:t>
-            </a:r>
-          </a:p>
-          <a:p>
+              <a:t>Receptor</a:t>
+            </a:r>
+          </a:p>
+          <a:p>
+            <a:pPr lvl="1"/>
             <a:r>
               <a:rPr lang="en-US" dirty="0" smtClean="0"/>
-              <a:t>Further improving the source code and adding functionality</a:t>
-            </a:r>
-          </a:p>
-          <a:p>
+              <a:t>ATP</a:t>
+            </a:r>
+          </a:p>
+          <a:p>
+            <a:pPr lvl="1"/>
+            <a:r>
+              <a:rPr lang="en-US" dirty="0" smtClean="0"/>
+              <a:t>G-Protein</a:t>
+            </a:r>
+          </a:p>
+          <a:p>
+            <a:pPr lvl="1"/>
+            <a:r>
+              <a:rPr lang="en-US" dirty="0" smtClean="0"/>
+              <a:t>Kinase</a:t>
+            </a:r>
+          </a:p>
+          <a:p>
+            <a:pPr lvl="1"/>
+            <a:r>
+              <a:rPr lang="en-US" dirty="0" smtClean="0"/>
+              <a:t>Transcription Regulator</a:t>
+            </a:r>
+          </a:p>
+          <a:p>
+            <a:r>
+              <a:rPr lang="en-US" b="1" dirty="0" smtClean="0"/>
+              <a:t>Latest Version:</a:t>
+            </a:r>
+          </a:p>
+          <a:p>
+            <a:pPr lvl="1"/>
+            <a:r>
+              <a:rPr lang="en-US" dirty="0" smtClean="0"/>
+              <a:t>Tutorial</a:t>
+            </a:r>
+          </a:p>
+          <a:p>
+            <a:pPr lvl="1"/>
+            <a:r>
+              <a:rPr lang="en-US" dirty="0" smtClean="0"/>
+              <a:t>Receptor</a:t>
+            </a:r>
+          </a:p>
+          <a:p>
+            <a:pPr lvl="1"/>
+            <a:r>
+              <a:rPr lang="en-US" dirty="0" smtClean="0"/>
+              <a:t>ATP</a:t>
+            </a:r>
+          </a:p>
+          <a:p>
+            <a:pPr lvl="1"/>
+            <a:r>
+              <a:rPr lang="en-US" dirty="0" smtClean="0"/>
+              <a:t>G-Protein</a:t>
+            </a:r>
+          </a:p>
+          <a:p>
+            <a:pPr lvl="1"/>
+            <a:r>
+              <a:rPr lang="en-US" dirty="0" smtClean="0"/>
+              <a:t>Kinase</a:t>
+            </a:r>
+          </a:p>
+          <a:p>
+            <a:pPr lvl="1"/>
+            <a:r>
+              <a:rPr lang="en-US" dirty="0" smtClean="0"/>
+              <a:t>Transcription Regulator and Nuclear Pore</a:t>
+            </a:r>
+          </a:p>
+          <a:p>
+            <a:pPr marL="457200" lvl="1" indent="0">
+              <a:buNone/>
+            </a:pPr>
             <a:endParaRPr lang="en-US" dirty="0" smtClean="0"/>
-          </a:p>
-          <a:p>
-            <a:endParaRPr lang="en-US" dirty="0"/>
-          </a:p>
-          <a:p>
-            <a:endParaRPr lang="en-US" dirty="0" smtClean="0"/>
-          </a:p>
-          <a:p>
-            <a:r>
-              <a:rPr lang="en-US" dirty="0" smtClean="0"/>
-              <a:t>Advice for the group taking over this project:</a:t>
-            </a:r>
-          </a:p>
-          <a:p>
-            <a:pPr lvl="1"/>
-            <a:r>
-              <a:rPr lang="en-US" dirty="0" smtClean="0"/>
-              <a:t>Use your spare time now to get to know Unity, watch tutorials, play with the project, anything at all that you can do will help as well as using C#, all the source code is written in this language</a:t>
-            </a:r>
-          </a:p>
-          <a:p>
-            <a:pPr lvl="1"/>
-            <a:r>
-              <a:rPr lang="en-US" dirty="0" smtClean="0"/>
-              <a:t>Understand the problem – get with Dr. Cline and learn what the project is and what the objects are supposed to do</a:t>
-            </a:r>
-          </a:p>
-          <a:p>
-            <a:pPr lvl="1"/>
-            <a:r>
-              <a:rPr lang="en-US" dirty="0" smtClean="0"/>
-              <a:t>Enjoy th</a:t>
-            </a:r>
-            <a:r>
-              <a:rPr lang="en-US" dirty="0" smtClean="0"/>
-              <a:t>e process, at the end it was a lot of fun and should be for you too!</a:t>
-            </a:r>
-            <a:endParaRPr lang="en-US" dirty="0"/>
           </a:p>
         </p:txBody>
       </p:sp>
     </p:spTree>
     <p:extLst>
       <p:ext uri="{BB962C8B-B14F-4D97-AF65-F5344CB8AC3E}">
-        <p14:creationId xmlns:p14="http://schemas.microsoft.com/office/powerpoint/2010/main" val="2842223120"/>
+        <p14:creationId xmlns:p14="http://schemas.microsoft.com/office/powerpoint/2010/main" val="4037059624"/>
       </p:ext>
     </p:extLst>
   </p:cSld>
@@ -17031,6 +18352,287 @@
       </p:grpSpPr>
       <p:sp>
         <p:nvSpPr>
+          <p:cNvPr id="2" name="Title 1"/>
+          <p:cNvSpPr>
+            <a:spLocks noGrp="1"/>
+          </p:cNvSpPr>
+          <p:nvPr>
+            <p:ph type="title"/>
+          </p:nvPr>
+        </p:nvSpPr>
+        <p:spPr/>
+        <p:txBody>
+          <a:bodyPr/>
+          <a:lstStyle/>
+          <a:p>
+            <a:r>
+              <a:rPr lang="en-US" dirty="0" smtClean="0"/>
+              <a:t>Conclusions</a:t>
+            </a:r>
+            <a:endParaRPr lang="en-US" dirty="0"/>
+          </a:p>
+        </p:txBody>
+      </p:sp>
+      <p:sp>
+        <p:nvSpPr>
+          <p:cNvPr id="3" name="Content Placeholder 2"/>
+          <p:cNvSpPr>
+            <a:spLocks noGrp="1"/>
+          </p:cNvSpPr>
+          <p:nvPr>
+            <p:ph idx="1"/>
+          </p:nvPr>
+        </p:nvSpPr>
+        <p:spPr/>
+        <p:txBody>
+          <a:bodyPr/>
+          <a:lstStyle/>
+          <a:p>
+            <a:r>
+              <a:rPr lang="en-US" b="1" dirty="0" err="1"/>
+              <a:t>BioRubeBot</a:t>
+            </a:r>
+            <a:r>
+              <a:rPr lang="en-US" b="1" dirty="0"/>
+              <a:t> now is ready to take to the next level</a:t>
+            </a:r>
+          </a:p>
+          <a:p>
+            <a:pPr lvl="1"/>
+            <a:r>
+              <a:rPr lang="en-US" dirty="0"/>
+              <a:t>More levels</a:t>
+            </a:r>
+          </a:p>
+          <a:p>
+            <a:pPr lvl="1"/>
+            <a:r>
+              <a:rPr lang="en-US" dirty="0"/>
+              <a:t>Game like features</a:t>
+            </a:r>
+          </a:p>
+          <a:p>
+            <a:pPr lvl="1"/>
+            <a:r>
+              <a:rPr lang="en-US" dirty="0"/>
+              <a:t>Incorporating more dynamic functionality</a:t>
+            </a:r>
+          </a:p>
+          <a:p>
+            <a:pPr lvl="1"/>
+            <a:endParaRPr lang="en-US" dirty="0"/>
+          </a:p>
+          <a:p>
+            <a:pPr lvl="1"/>
+            <a:endParaRPr lang="en-US" dirty="0"/>
+          </a:p>
+          <a:p>
+            <a:r>
+              <a:rPr lang="en-US" b="1" dirty="0"/>
+              <a:t>It was not always easy but we feel we are turning over a much improved project than the one we inherited which was part of our goal as well as meeting the project </a:t>
+            </a:r>
+            <a:r>
+              <a:rPr lang="en-US" b="1" dirty="0" smtClean="0"/>
+              <a:t>requirements </a:t>
+            </a:r>
+            <a:endParaRPr lang="en-US" b="1" dirty="0"/>
+          </a:p>
+        </p:txBody>
+      </p:sp>
+    </p:spTree>
+    <p:extLst>
+      <p:ext uri="{BB962C8B-B14F-4D97-AF65-F5344CB8AC3E}">
+        <p14:creationId xmlns:p14="http://schemas.microsoft.com/office/powerpoint/2010/main" val="2212414703"/>
+      </p:ext>
+    </p:extLst>
+  </p:cSld>
+  <p:clrMapOvr>
+    <a:masterClrMapping/>
+  </p:clrMapOvr>
+  <p:timing>
+    <p:tnLst>
+      <p:par>
+        <p:cTn id="1" dur="indefinite" restart="never" nodeType="tmRoot"/>
+      </p:par>
+    </p:tnLst>
+  </p:timing>
+</p:sld>
+</file>
+
+<file path=ppt/slides/slide13.xml><?xml version="1.0" encoding="utf-8"?>
+<p:sld xmlns:a="http://schemas.openxmlformats.org/drawingml/2006/main" xmlns:r="http://schemas.openxmlformats.org/officeDocument/2006/relationships" xmlns:p="http://schemas.openxmlformats.org/presentationml/2006/main">
+  <p:cSld>
+    <p:spTree>
+      <p:nvGrpSpPr>
+        <p:cNvPr id="1" name=""/>
+        <p:cNvGrpSpPr/>
+        <p:nvPr/>
+      </p:nvGrpSpPr>
+      <p:grpSpPr>
+        <a:xfrm>
+          <a:off x="0" y="0"/>
+          <a:ext cx="0" cy="0"/>
+          <a:chOff x="0" y="0"/>
+          <a:chExt cx="0" cy="0"/>
+        </a:xfrm>
+      </p:grpSpPr>
+      <p:sp>
+        <p:nvSpPr>
+          <p:cNvPr id="2" name="Title 1"/>
+          <p:cNvSpPr>
+            <a:spLocks noGrp="1"/>
+          </p:cNvSpPr>
+          <p:nvPr>
+            <p:ph type="title"/>
+          </p:nvPr>
+        </p:nvSpPr>
+        <p:spPr/>
+        <p:txBody>
+          <a:bodyPr/>
+          <a:lstStyle/>
+          <a:p>
+            <a:r>
+              <a:rPr lang="en-US" dirty="0" smtClean="0"/>
+              <a:t>Next steps</a:t>
+            </a:r>
+            <a:endParaRPr lang="en-US" dirty="0"/>
+          </a:p>
+        </p:txBody>
+      </p:sp>
+      <p:sp>
+        <p:nvSpPr>
+          <p:cNvPr id="3" name="Content Placeholder 2"/>
+          <p:cNvSpPr>
+            <a:spLocks noGrp="1"/>
+          </p:cNvSpPr>
+          <p:nvPr>
+            <p:ph idx="1"/>
+          </p:nvPr>
+        </p:nvSpPr>
+        <p:spPr/>
+        <p:txBody>
+          <a:bodyPr/>
+          <a:lstStyle/>
+          <a:p>
+            <a:r>
+              <a:rPr lang="en-US" b="1" dirty="0" smtClean="0"/>
+              <a:t>Adding more levels </a:t>
+            </a:r>
+          </a:p>
+          <a:p>
+            <a:r>
+              <a:rPr lang="en-US" b="1" dirty="0" smtClean="0"/>
+              <a:t>Adding game features like score keeping and user interaction</a:t>
+            </a:r>
+          </a:p>
+          <a:p>
+            <a:r>
+              <a:rPr lang="en-US" b="1" dirty="0" smtClean="0"/>
+              <a:t>Further improving the source code and adding functionality</a:t>
+            </a:r>
+          </a:p>
+          <a:p>
+            <a:endParaRPr lang="en-US" dirty="0" smtClean="0"/>
+          </a:p>
+          <a:p>
+            <a:endParaRPr lang="en-US" dirty="0"/>
+          </a:p>
+          <a:p>
+            <a:endParaRPr lang="en-US" dirty="0" smtClean="0"/>
+          </a:p>
+          <a:p>
+            <a:r>
+              <a:rPr lang="en-US" b="1" dirty="0" smtClean="0"/>
+              <a:t>Advice for the group taking over this project:</a:t>
+            </a:r>
+          </a:p>
+          <a:p>
+            <a:pPr lvl="1"/>
+            <a:r>
+              <a:rPr lang="en-US" dirty="0" smtClean="0"/>
+              <a:t>Use your spare time now to get to know Unity, watch tutorials, play with the project, </a:t>
+            </a:r>
+            <a:r>
+              <a:rPr lang="en-US" dirty="0" smtClean="0"/>
+              <a:t>        </a:t>
+            </a:r>
+            <a:r>
+              <a:rPr lang="en-US" dirty="0" smtClean="0"/>
+              <a:t>learn</a:t>
+            </a:r>
+            <a:r>
+              <a:rPr lang="en-US" dirty="0" smtClean="0"/>
+              <a:t> </a:t>
+            </a:r>
+            <a:r>
+              <a:rPr lang="en-US" dirty="0" smtClean="0"/>
+              <a:t>C#: the language used to drive Unity.</a:t>
+            </a:r>
+          </a:p>
+          <a:p>
+            <a:pPr lvl="1"/>
+            <a:r>
+              <a:rPr lang="en-US" dirty="0" smtClean="0"/>
+              <a:t>Understand the problem – get with Dr. Cline and learn what the project is </a:t>
+            </a:r>
+            <a:r>
+              <a:rPr lang="en-US" dirty="0" smtClean="0"/>
+              <a:t>all about and </a:t>
+            </a:r>
+            <a:r>
+              <a:rPr lang="en-US" dirty="0" smtClean="0"/>
+              <a:t>what the objects are supposed to do.</a:t>
+            </a:r>
+          </a:p>
+          <a:p>
+            <a:pPr lvl="1"/>
+            <a:r>
+              <a:rPr lang="en-US" dirty="0" smtClean="0"/>
+              <a:t>Enjoy the process, at the end it was a lot of fun and should be for you too!</a:t>
+            </a:r>
+            <a:endParaRPr lang="en-US" dirty="0"/>
+          </a:p>
+        </p:txBody>
+      </p:sp>
+    </p:spTree>
+    <p:extLst>
+      <p:ext uri="{BB962C8B-B14F-4D97-AF65-F5344CB8AC3E}">
+        <p14:creationId xmlns:p14="http://schemas.microsoft.com/office/powerpoint/2010/main" val="2842223120"/>
+      </p:ext>
+    </p:extLst>
+  </p:cSld>
+  <p:clrMapOvr>
+    <a:masterClrMapping/>
+  </p:clrMapOvr>
+  <p:timing>
+    <p:tnLst>
+      <p:par>
+        <p:cTn id="1" dur="indefinite" restart="never" nodeType="tmRoot"/>
+      </p:par>
+    </p:tnLst>
+  </p:timing>
+</p:sld>
+</file>
+
+<file path=ppt/slides/slide14.xml><?xml version="1.0" encoding="utf-8"?>
+<p:sld xmlns:a="http://schemas.openxmlformats.org/drawingml/2006/main" xmlns:r="http://schemas.openxmlformats.org/officeDocument/2006/relationships" xmlns:p="http://schemas.openxmlformats.org/presentationml/2006/main">
+  <p:cSld>
+    <p:spTree>
+      <p:nvGrpSpPr>
+        <p:cNvPr id="1" name=""/>
+        <p:cNvGrpSpPr/>
+        <p:nvPr/>
+      </p:nvGrpSpPr>
+      <p:grpSpPr>
+        <a:xfrm>
+          <a:off x="0" y="0"/>
+          <a:ext cx="0" cy="0"/>
+          <a:chOff x="0" y="0"/>
+          <a:chExt cx="0" cy="0"/>
+        </a:xfrm>
+      </p:grpSpPr>
+      <p:sp>
+        <p:nvSpPr>
           <p:cNvPr id="44034" name="Text Placeholder 2"/>
           <p:cNvSpPr>
             <a:spLocks noGrp="1"/>
@@ -17219,7 +18821,7 @@
           <p:nvPr/>
         </p:nvPicPr>
         <p:blipFill>
-          <a:blip r:embed="rId2">
+          <a:blip r:embed="rId3">
             <a:extLst>
               <a:ext uri="{28A0092B-C50C-407E-A947-70E740481C1C}">
                 <a14:useLocalDpi xmlns:a14="http://schemas.microsoft.com/office/drawing/2010/main" val="0"/>
@@ -17335,15 +18937,7 @@
           <a:p>
             <a:r>
               <a:rPr lang="en-US" sz="2000" dirty="0" smtClean="0"/>
-              <a:t>Dr. Cline’s vision is to create a </a:t>
-            </a:r>
-            <a:r>
-              <a:rPr lang="en-US" sz="2000" dirty="0" smtClean="0"/>
-              <a:t>physics </a:t>
-            </a:r>
-            <a:r>
-              <a:rPr lang="en-US" sz="2000" dirty="0" smtClean="0"/>
-              <a:t>based game that simulates the KMAP Signaling in a cell.  She wants the user to learn while playing the game. The idea came from the illustrated game below, “The Incredible Machine”, which uses physics to simulate real world movements. </a:t>
+              <a:t>Dr. Cline’s vision is to create a physics based game that simulates the KMAP Signaling in a cell.  She wants the user to learn while playing the game. The idea came from the illustrated game below, “The Incredible Machine”, which uses physics to simulate real world movements. </a:t>
             </a:r>
             <a:endParaRPr lang="en-US" sz="2000" dirty="0"/>
           </a:p>
@@ -17358,7 +18952,7 @@
           <p:nvPr/>
         </p:nvPicPr>
         <p:blipFill>
-          <a:blip r:embed="rId2">
+          <a:blip r:embed="rId3">
             <a:extLst>
               <a:ext uri="{28A0092B-C50C-407E-A947-70E740481C1C}">
                 <a14:useLocalDpi xmlns:a14="http://schemas.microsoft.com/office/drawing/2010/main" val="0"/>
@@ -17467,33 +19061,25 @@
           <a:p>
             <a:r>
               <a:rPr lang="en-US" sz="2400" dirty="0" smtClean="0"/>
-              <a:t>The project was delivered to our team after 2 semesters of development with many programming challenges yet to solve</a:t>
+              <a:t>The project was delivered to our team after 2 semesters of development with many programming challenges yet to solve.</a:t>
             </a:r>
           </a:p>
           <a:p>
             <a:r>
               <a:rPr lang="en-US" sz="2400" dirty="0" smtClean="0"/>
-              <a:t>The program needed to </a:t>
-            </a:r>
+              <a:t>The program needed to be more dynamic than the state it was in at the beginning of the semester.</a:t>
+            </a:r>
+          </a:p>
+          <a:p>
             <a:r>
               <a:rPr lang="en-US" sz="2400" dirty="0" smtClean="0"/>
-              <a:t>be more </a:t>
-            </a:r>
+              <a:t>Learning Unity in a short amount of time in order to work on the project.</a:t>
+            </a:r>
+          </a:p>
+          <a:p>
             <a:r>
               <a:rPr lang="en-US" sz="2400" dirty="0" smtClean="0"/>
-              <a:t>dynamic than the state it was in at the beginning of the semester</a:t>
-            </a:r>
-          </a:p>
-          <a:p>
-            <a:r>
-              <a:rPr lang="en-US" sz="2400" dirty="0" smtClean="0"/>
-              <a:t>Learning Unity in a short amount of time in order to work on the project</a:t>
-            </a:r>
-          </a:p>
-          <a:p>
-            <a:r>
-              <a:rPr lang="en-US" sz="2400" dirty="0" smtClean="0"/>
-              <a:t>Understanding the biology behind the project</a:t>
+              <a:t>Understanding the biology behind the project.</a:t>
             </a:r>
           </a:p>
           <a:p>
@@ -17577,38 +19163,88 @@
           <a:lstStyle/>
           <a:p>
             <a:r>
+              <a:rPr lang="en-US" sz="2000" dirty="0"/>
+              <a:t>Replace static assigned values with dynamic code to handle various </a:t>
+            </a:r>
+            <a:r>
               <a:rPr lang="en-US" sz="2000" dirty="0" smtClean="0"/>
-              <a:t>Replace static assigned values with dynamic code to handle various situations</a:t>
-            </a:r>
-          </a:p>
-          <a:p>
+              <a:t>situations.</a:t>
+            </a:r>
+            <a:endParaRPr lang="en-US" sz="2000" dirty="0"/>
+          </a:p>
+          <a:p>
+            <a:r>
+              <a:rPr lang="en-US" sz="2000" dirty="0"/>
+              <a:t>Write the code for the Kinase and Transcription Regulator </a:t>
+            </a:r>
             <a:r>
               <a:rPr lang="en-US" sz="2000" dirty="0" smtClean="0"/>
-              <a:t>Write the code for the Kinase and Transcription Regulator objects </a:t>
-            </a:r>
-          </a:p>
-          <a:p>
+              <a:t>objects.</a:t>
+            </a:r>
+            <a:endParaRPr lang="en-US" sz="2000" dirty="0"/>
+          </a:p>
+          <a:p>
+            <a:r>
+              <a:rPr lang="en-US" sz="2000" dirty="0"/>
+              <a:t>The Kinase and Transcription Regulator has to interact with each other and with objects already existing in the </a:t>
+            </a:r>
             <a:r>
               <a:rPr lang="en-US" sz="2000" dirty="0" smtClean="0"/>
-              <a:t>The Kinase and Transcription Regulator has to interact with each other and with objects already existing in the program</a:t>
-            </a:r>
-          </a:p>
-          <a:p>
+              <a:t>program.</a:t>
+            </a:r>
+            <a:endParaRPr lang="en-US" sz="2000" dirty="0"/>
+          </a:p>
+          <a:p>
+            <a:r>
+              <a:rPr lang="en-US" sz="2000" dirty="0"/>
+              <a:t>Add code to snap Receptor and Nuclear Pore to Cell Membrane and Cell </a:t>
+            </a:r>
             <a:r>
               <a:rPr lang="en-US" sz="2000" dirty="0" smtClean="0"/>
-              <a:t>Refactor previous code to interact with the new objects</a:t>
-            </a:r>
-          </a:p>
-          <a:p>
+              <a:t>Nucleus.</a:t>
+            </a:r>
+            <a:endParaRPr lang="en-US" sz="2000" dirty="0"/>
+          </a:p>
+          <a:p>
+            <a:r>
+              <a:rPr lang="en-US" sz="2000" dirty="0"/>
+              <a:t>Enhance and a</a:t>
+            </a:r>
+            <a:r>
+              <a:rPr lang="en-US" sz="2000" dirty="0">
+                <a:latin typeface="Futura LT Condensed" charset="0"/>
+              </a:rPr>
+              <a:t>dd functionality to </a:t>
+            </a:r>
+            <a:r>
+              <a:rPr lang="en-US" sz="2000" dirty="0"/>
+              <a:t>ATP </a:t>
+            </a:r>
             <a:r>
               <a:rPr lang="en-US" sz="2000" dirty="0" smtClean="0"/>
-              <a:t>Refactor previous code to enhance the reusability aspect of coding</a:t>
-            </a:r>
-          </a:p>
-          <a:p>
+              <a:t>algorithms.</a:t>
+            </a:r>
+            <a:endParaRPr lang="en-US" sz="2000" dirty="0"/>
+          </a:p>
+          <a:p>
+            <a:r>
+              <a:rPr lang="en-US" sz="2000" dirty="0"/>
+              <a:t>Refactor previous code to interact with the new </a:t>
+            </a:r>
             <a:r>
               <a:rPr lang="en-US" sz="2000" dirty="0" smtClean="0"/>
-              <a:t>Create a new tutorial, both front end and back end</a:t>
+              <a:t>objects.</a:t>
+            </a:r>
+            <a:endParaRPr lang="en-US" sz="2000" dirty="0"/>
+          </a:p>
+          <a:p>
+            <a:r>
+              <a:rPr lang="en-US" sz="2000" dirty="0"/>
+              <a:t>Create a new tutorial, both front end and back </a:t>
+            </a:r>
+            <a:r>
+              <a:rPr lang="en-US" sz="2000" dirty="0" smtClean="0"/>
+              <a:t>end.</a:t>
             </a:r>
             <a:endParaRPr lang="en-US" sz="2000" dirty="0"/>
           </a:p>
@@ -17690,59 +19326,58 @@
           <a:lstStyle/>
           <a:p>
             <a:r>
+              <a:rPr lang="en-US" b="1" dirty="0" smtClean="0"/>
+              <a:t>Kinase object</a:t>
+            </a:r>
+          </a:p>
+          <a:p>
+            <a:pPr lvl="1"/>
+            <a:r>
               <a:rPr lang="en-US" dirty="0" smtClean="0"/>
-              <a:t>Kinase object</a:t>
+              <a:t>The Kinase object has to merge with the G-Protein object after the G-Protein has a phosphate deposited on it:</a:t>
+            </a:r>
+          </a:p>
+          <a:p>
+            <a:pPr lvl="2"/>
+            <a:r>
+              <a:rPr lang="en-US" dirty="0" smtClean="0"/>
+              <a:t>Using the G-Protein to control the merge process was the key.</a:t>
+            </a:r>
+          </a:p>
+          <a:p>
+            <a:pPr lvl="2"/>
+            <a:r>
+              <a:rPr lang="en-US" dirty="0" smtClean="0"/>
+              <a:t>The two objects then have to agree on a meeting location, then the objects randomly move to the meeting place and with timeouts predetermined the meeting may or may not happen which lends to the random nature of the way the objects should behave.</a:t>
             </a:r>
           </a:p>
           <a:p>
             <a:pPr lvl="1"/>
             <a:r>
               <a:rPr lang="en-US" dirty="0" smtClean="0"/>
-              <a:t>The Kinase object has to merge with the G-Protein object after the G-Protein has a phosphate deposited on it</a:t>
+              <a:t>The merged G-Protein and Kinase had to act as one object while merged:</a:t>
             </a:r>
           </a:p>
           <a:p>
             <a:pPr lvl="2"/>
             <a:r>
               <a:rPr lang="en-US" dirty="0" smtClean="0"/>
-              <a:t>Using the G-Protein to control the merge process was the key</a:t>
+              <a:t>The two objects move as one once they are merged, simply applying the same forces to each object at the same time.</a:t>
+            </a:r>
+            <a:endParaRPr lang="en-US" dirty="0"/>
+          </a:p>
+          <a:p>
+            <a:pPr lvl="1"/>
+            <a:r>
+              <a:rPr lang="en-US" dirty="0" smtClean="0"/>
+              <a:t>Separation of the two objects:</a:t>
             </a:r>
           </a:p>
           <a:p>
             <a:pPr lvl="2"/>
             <a:r>
               <a:rPr lang="en-US" dirty="0" smtClean="0"/>
-              <a:t>The two objects then have to agree on a meeting location, then the objects randomly move to the meeting place and with timeouts in place the meeting may or may not happen which lends to the random nature of the way the objects should behave</a:t>
-            </a:r>
-            <a:endParaRPr lang="en-US" dirty="0" smtClean="0"/>
-          </a:p>
-          <a:p>
-            <a:pPr lvl="1"/>
-            <a:r>
-              <a:rPr lang="en-US" dirty="0" smtClean="0"/>
-              <a:t>The merged G-Protein and Kinase had to act as one object while merged</a:t>
-            </a:r>
-          </a:p>
-          <a:p>
-            <a:pPr lvl="2"/>
-            <a:r>
-              <a:rPr lang="en-US" dirty="0" smtClean="0"/>
-              <a:t>The two objects move as one once they are merged, simply apply the same forces to each object at the same time</a:t>
-            </a:r>
-            <a:endParaRPr lang="en-US" dirty="0"/>
-          </a:p>
-          <a:p>
-            <a:pPr lvl="1"/>
-            <a:r>
-              <a:rPr lang="en-US" dirty="0" smtClean="0"/>
-              <a:t>Separation of the two objects</a:t>
-            </a:r>
-          </a:p>
-          <a:p>
-            <a:pPr lvl="2"/>
-            <a:r>
-              <a:rPr lang="en-US" dirty="0" smtClean="0"/>
-              <a:t>After a predetermined amount of time the objects separate and again randomly move as individual objects, now the Kinase is ready for the Transcription Regulator merge</a:t>
+              <a:t>After a predetermined amount of time the objects separate and again randomly move as individual objects, now the Kinase is ready for the Transcription Regulator merge.</a:t>
             </a:r>
           </a:p>
           <a:p>
@@ -17757,7 +19392,7 @@
             </a:r>
             <a:r>
               <a:rPr lang="en-US" dirty="0" smtClean="0"/>
-              <a:t> stage form</a:t>
+              <a:t> stage form.</a:t>
             </a:r>
           </a:p>
         </p:txBody>
@@ -17771,7 +19406,7 @@
         <p:spPr>
           <a:xfrm>
             <a:off x="4495800" y="285750"/>
-            <a:ext cx="2057400" cy="646331"/>
+            <a:ext cx="2057400" cy="369332"/>
           </a:xfrm>
           <a:prstGeom prst="rect">
             <a:avLst/>
@@ -17779,19 +19414,39 @@
           <a:noFill/>
         </p:spPr>
         <p:txBody>
-          <a:bodyPr wrap="square" rtlCol="0">
+          <a:bodyPr wrap="square" rtlCol="0" anchor="t">
             <a:spAutoFit/>
           </a:bodyPr>
           <a:lstStyle/>
           <a:p>
-            <a:r>
-              <a:rPr lang="en-US" dirty="0" smtClean="0"/>
-              <a:t>Insert pictures of Kinase here</a:t>
-            </a:r>
             <a:endParaRPr lang="en-US" dirty="0"/>
           </a:p>
         </p:txBody>
       </p:sp>
+      <p:pic>
+        <p:nvPicPr>
+          <p:cNvPr id="5" name="Picture 4" descr="kinase.jpg"/>
+          <p:cNvPicPr>
+            <a:picLocks noChangeAspect="1"/>
+          </p:cNvPicPr>
+          <p:nvPr/>
+        </p:nvPicPr>
+        <p:blipFill>
+          <a:blip r:embed="rId3"/>
+          <a:stretch>
+            <a:fillRect/>
+          </a:stretch>
+        </p:blipFill>
+        <p:spPr>
+          <a:xfrm>
+            <a:off x="3912009" y="140402"/>
+            <a:ext cx="3801291" cy="1058154"/>
+          </a:xfrm>
+          <a:prstGeom prst="rect">
+            <a:avLst/>
+          </a:prstGeom>
+        </p:spPr>
+      </p:pic>
     </p:spTree>
     <p:extLst>
       <p:ext uri="{BB962C8B-B14F-4D97-AF65-F5344CB8AC3E}">
@@ -17878,7 +19533,7 @@
           <a:lstStyle/>
           <a:p>
             <a:r>
-              <a:rPr lang="en-US" dirty="0" smtClean="0"/>
+              <a:rPr lang="en-US" b="1" dirty="0" smtClean="0"/>
               <a:t>Transcription Regulator object</a:t>
             </a:r>
           </a:p>
@@ -17910,36 +19565,35 @@
             </a:r>
             <a:r>
               <a:rPr lang="en-US" dirty="0" smtClean="0"/>
-              <a:t> stage</a:t>
+              <a:t> stage:</a:t>
             </a:r>
           </a:p>
           <a:p>
             <a:pPr lvl="2"/>
             <a:r>
               <a:rPr lang="en-US" dirty="0" smtClean="0"/>
-              <a:t>Using the Kinase to control the merge process was the key</a:t>
+              <a:t>Using the Kinase to control the merge process was the key.</a:t>
             </a:r>
           </a:p>
           <a:p>
             <a:pPr lvl="2"/>
             <a:r>
               <a:rPr lang="en-US" dirty="0" smtClean="0"/>
-              <a:t>The two objects then have to agree on a meeting location, then the objects randomly move to the meeting place and with timeouts in place the meeting may or may not happen which lends to the random nature of the way the objects should behave</a:t>
-            </a:r>
-            <a:endParaRPr lang="en-US" dirty="0" smtClean="0"/>
+              <a:t>The two objects then have to agree on a meeting location, then the objects randomly move to the meeting place and with timeouts predetermined the meeting may or may not happen which lends to the random nature of the way the objects should behave.</a:t>
+            </a:r>
           </a:p>
           <a:p>
             <a:pPr lvl="1"/>
             <a:r>
               <a:rPr lang="en-US" dirty="0" smtClean="0"/>
-              <a:t>The merged Transcription Regulator and Kinase had to act as one object while merged</a:t>
+              <a:t>The merged Transcription Regulator and Kinase had to act as one object while merged:</a:t>
             </a:r>
           </a:p>
           <a:p>
             <a:pPr lvl="2"/>
             <a:r>
               <a:rPr lang="en-US" dirty="0" smtClean="0"/>
-              <a:t>The two objects move as one once they are merged, simply apply the same forces to each object at the same time</a:t>
+              <a:t>The two objects move as one once they are merged, simply applying the same forces to each object at the same time.</a:t>
             </a:r>
             <a:endParaRPr lang="en-US" dirty="0"/>
           </a:p>
@@ -17947,14 +19601,14 @@
             <a:pPr lvl="1"/>
             <a:r>
               <a:rPr lang="en-US" dirty="0" smtClean="0"/>
-              <a:t>Separation of the two objects</a:t>
+              <a:t>Separation of the two objects:</a:t>
             </a:r>
           </a:p>
           <a:p>
             <a:pPr lvl="2"/>
             <a:r>
               <a:rPr lang="en-US" dirty="0" smtClean="0"/>
-              <a:t>After a phosphate has been deposited on the Transcription Regulator the objects will separate and the Transcription Regulator is ready to enter the Nucleus</a:t>
+              <a:t>After a phosphate has been deposited on the Transcription Regulator the objects will separate and the Transcription Regulator is ready to enter the Nucleus.</a:t>
             </a:r>
           </a:p>
         </p:txBody>
@@ -17968,7 +19622,7 @@
         <p:spPr>
           <a:xfrm>
             <a:off x="4495800" y="285750"/>
-            <a:ext cx="2057400" cy="923330"/>
+            <a:ext cx="2057400" cy="369332"/>
           </a:xfrm>
           <a:prstGeom prst="rect">
             <a:avLst/>
@@ -17976,19 +19630,39 @@
           <a:noFill/>
         </p:spPr>
         <p:txBody>
-          <a:bodyPr wrap="square" rtlCol="0">
+          <a:bodyPr wrap="square" rtlCol="0" anchor="t">
             <a:spAutoFit/>
           </a:bodyPr>
           <a:lstStyle/>
           <a:p>
-            <a:r>
-              <a:rPr lang="en-US" dirty="0" smtClean="0"/>
-              <a:t>Insert picture of Transcription Regulator here</a:t>
-            </a:r>
             <a:endParaRPr lang="en-US" dirty="0"/>
           </a:p>
         </p:txBody>
       </p:sp>
+      <p:pic>
+        <p:nvPicPr>
+          <p:cNvPr id="6" name="Picture 5" descr="t-reg.jpg"/>
+          <p:cNvPicPr>
+            <a:picLocks noChangeAspect="1"/>
+          </p:cNvPicPr>
+          <p:nvPr/>
+        </p:nvPicPr>
+        <p:blipFill>
+          <a:blip r:embed="rId3"/>
+          <a:stretch>
+            <a:fillRect/>
+          </a:stretch>
+        </p:blipFill>
+        <p:spPr>
+          <a:xfrm>
+            <a:off x="3697061" y="171281"/>
+            <a:ext cx="4719483" cy="1048515"/>
+          </a:xfrm>
+          <a:prstGeom prst="rect">
+            <a:avLst/>
+          </a:prstGeom>
+        </p:spPr>
+      </p:pic>
     </p:spTree>
     <p:extLst>
       <p:ext uri="{BB962C8B-B14F-4D97-AF65-F5344CB8AC3E}">
@@ -18075,42 +19749,104 @@
           <a:lstStyle/>
           <a:p>
             <a:r>
+              <a:rPr lang="en-US" b="1" dirty="0"/>
+              <a:t>Snap and Rotate Functionality for the Receptor and Nuclear Pore </a:t>
+            </a:r>
+            <a:r>
+              <a:rPr lang="en-US" b="1" dirty="0" smtClean="0"/>
+              <a:t>Complex</a:t>
+            </a:r>
+          </a:p>
+          <a:p>
+            <a:pPr lvl="1"/>
+            <a:r>
               <a:rPr lang="en-US" dirty="0" smtClean="0"/>
-              <a:t>Nuclear Pore object</a:t>
-            </a:r>
+              <a:t>Originally</a:t>
+            </a:r>
+            <a:r>
+              <a:rPr lang="en-US" dirty="0"/>
+              <a:t>, the Receptor was a very static object.  It could only be placed at the top of the Cell Membrane and still have </a:t>
+            </a:r>
+            <a:r>
+              <a:rPr lang="en-US" dirty="0" smtClean="0"/>
+              <a:t>its </a:t>
+            </a:r>
+            <a:r>
+              <a:rPr lang="en-US" dirty="0"/>
+              <a:t>intended </a:t>
+            </a:r>
+            <a:r>
+              <a:rPr lang="en-US" dirty="0" smtClean="0"/>
+              <a:t>functionality.</a:t>
+            </a:r>
+            <a:endParaRPr lang="en-US" dirty="0"/>
           </a:p>
           <a:p>
             <a:pPr lvl="1"/>
             <a:r>
               <a:rPr lang="en-US" dirty="0" smtClean="0"/>
-              <a:t>The Nuclear Pore has a rotate and snap function that allows it to be placed properly on the Nucleus wall</a:t>
-            </a:r>
+              <a:t>An </a:t>
+            </a:r>
+            <a:r>
+              <a:rPr lang="en-US" dirty="0"/>
+              <a:t>algorithm was needed that would rotate the Receptor dynamically as the user moved it around the circumference of the Cell </a:t>
+            </a:r>
+            <a:r>
+              <a:rPr lang="en-US" dirty="0" smtClean="0"/>
+              <a:t>Membrane.</a:t>
+            </a:r>
+            <a:endParaRPr lang="en-US" dirty="0"/>
           </a:p>
           <a:p>
             <a:pPr lvl="1"/>
             <a:r>
+              <a:rPr lang="en-US" dirty="0" smtClean="0">
+                <a:latin typeface="Futura LT Condensed" charset="0"/>
+              </a:rPr>
+              <a:t>It </a:t>
+            </a:r>
+            <a:r>
+              <a:rPr lang="en-US" dirty="0">
+                <a:latin typeface="Futura LT Condensed" charset="0"/>
+              </a:rPr>
+              <a:t>was also determined that the user needed aid to properly place the Receptor along the Cell Membrane so an algorithm was created to snap the Receptor to the Membrane once it was close </a:t>
+            </a:r>
+            <a:r>
+              <a:rPr lang="en-US" dirty="0" smtClean="0">
+                <a:latin typeface="Futura LT Condensed" charset="0"/>
+              </a:rPr>
+              <a:t>enough.</a:t>
+            </a:r>
+            <a:endParaRPr lang="en-US" dirty="0">
+              <a:latin typeface="Futura LT Condensed" charset="0"/>
+            </a:endParaRPr>
+          </a:p>
+          <a:p>
+            <a:pPr lvl="1"/>
+            <a:r>
               <a:rPr lang="en-US" dirty="0" smtClean="0"/>
-              <a:t>Once the Nuclear Pore is attached to the Nucleus wall the Transcription Regulator is allowed to enter the Nucleus</a:t>
-            </a:r>
+              <a:t>Issues:</a:t>
+            </a:r>
+            <a:endParaRPr lang="en-US" dirty="0"/>
           </a:p>
           <a:p>
             <a:pPr lvl="2"/>
             <a:r>
+              <a:rPr lang="en-US" dirty="0"/>
+              <a:t>The ATP code would not allow it to properly dock with the Receptor when the Receptor was </a:t>
+            </a:r>
+            <a:r>
               <a:rPr lang="en-US" dirty="0" smtClean="0"/>
-              <a:t>The Transcription Regulator targets the Nuclear Pore and uses it as a gateway to enter the Nucleus</a:t>
-            </a:r>
+              <a:t>rotated.</a:t>
+            </a:r>
+            <a:endParaRPr lang="en-US" dirty="0"/>
           </a:p>
           <a:p>
             <a:pPr lvl="2"/>
             <a:r>
-              <a:rPr lang="en-US" dirty="0" smtClean="0"/>
-              <a:t>Level </a:t>
-            </a:r>
-            <a:r>
-              <a:rPr lang="en-US" dirty="0" smtClean="0"/>
-              <a:t>1 is now completed</a:t>
-            </a:r>
-            <a:endParaRPr lang="en-US" dirty="0" smtClean="0"/>
+              <a:rPr lang="en-US" dirty="0"/>
+              <a:t>If the ATP was on the opposite side of the Nucleus, it would get stuck trying to get to the Receptor.</a:t>
+            </a:r>
           </a:p>
         </p:txBody>
       </p:sp>
@@ -18123,7 +19859,7 @@
         <p:spPr>
           <a:xfrm>
             <a:off x="4495800" y="285750"/>
-            <a:ext cx="2057400" cy="646331"/>
+            <a:ext cx="2057400" cy="369332"/>
           </a:xfrm>
           <a:prstGeom prst="rect">
             <a:avLst/>
@@ -18131,23 +19867,67 @@
           <a:noFill/>
         </p:spPr>
         <p:txBody>
-          <a:bodyPr wrap="square" rtlCol="0">
+          <a:bodyPr wrap="square" rtlCol="0" anchor="t">
             <a:spAutoFit/>
           </a:bodyPr>
           <a:lstStyle/>
           <a:p>
-            <a:r>
-              <a:rPr lang="en-US" dirty="0" smtClean="0"/>
-              <a:t>Insert picture of Nuclear Pore here</a:t>
-            </a:r>
             <a:endParaRPr lang="en-US" dirty="0"/>
           </a:p>
         </p:txBody>
       </p:sp>
+      <p:pic>
+        <p:nvPicPr>
+          <p:cNvPr id="6" name="Picture 5" descr="receptor.jpg"/>
+          <p:cNvPicPr>
+            <a:picLocks noChangeAspect="1"/>
+          </p:cNvPicPr>
+          <p:nvPr/>
+        </p:nvPicPr>
+        <p:blipFill>
+          <a:blip r:embed="rId3"/>
+          <a:stretch>
+            <a:fillRect/>
+          </a:stretch>
+        </p:blipFill>
+        <p:spPr>
+          <a:xfrm>
+            <a:off x="4506414" y="56052"/>
+            <a:ext cx="1260113" cy="974365"/>
+          </a:xfrm>
+          <a:prstGeom prst="rect">
+            <a:avLst/>
+          </a:prstGeom>
+        </p:spPr>
+      </p:pic>
+      <p:pic>
+        <p:nvPicPr>
+          <p:cNvPr id="7" name="Picture 6" descr="npc.jpg"/>
+          <p:cNvPicPr>
+            <a:picLocks noChangeAspect="1"/>
+          </p:cNvPicPr>
+          <p:nvPr/>
+        </p:nvPicPr>
+        <p:blipFill>
+          <a:blip r:embed="rId4"/>
+          <a:stretch>
+            <a:fillRect/>
+          </a:stretch>
+        </p:blipFill>
+        <p:spPr>
+          <a:xfrm>
+            <a:off x="5780088" y="57150"/>
+            <a:ext cx="1166913" cy="972958"/>
+          </a:xfrm>
+          <a:prstGeom prst="rect">
+            <a:avLst/>
+          </a:prstGeom>
+        </p:spPr>
+      </p:pic>
     </p:spTree>
     <p:extLst>
       <p:ext uri="{BB962C8B-B14F-4D97-AF65-F5344CB8AC3E}">
-        <p14:creationId xmlns:p14="http://schemas.microsoft.com/office/powerpoint/2010/main" val="3896077321"/>
+        <p14:creationId xmlns:p14="http://schemas.microsoft.com/office/powerpoint/2010/main" val="945050991"/>
       </p:ext>
     </p:extLst>
   </p:cSld>
@@ -18191,14 +19971,19 @@
             <p:ph type="title"/>
           </p:nvPr>
         </p:nvSpPr>
-        <p:spPr/>
+        <p:spPr>
+          <a:xfrm>
+            <a:off x="457200" y="438150"/>
+            <a:ext cx="1524000" cy="422275"/>
+          </a:xfrm>
+        </p:spPr>
         <p:txBody>
           <a:bodyPr/>
           <a:lstStyle/>
           <a:p>
             <a:r>
               <a:rPr lang="en-US" dirty="0" smtClean="0"/>
-              <a:t>Results</a:t>
+              <a:t>Details</a:t>
             </a:r>
             <a:endParaRPr lang="en-US" dirty="0"/>
           </a:p>
@@ -18214,54 +19999,117 @@
             <p:ph idx="1"/>
           </p:nvPr>
         </p:nvSpPr>
-        <p:spPr/>
+        <p:spPr>
+          <a:xfrm>
+            <a:off x="457200" y="1028700"/>
+            <a:ext cx="8229600" cy="3219450"/>
+          </a:xfrm>
+        </p:spPr>
         <p:txBody>
           <a:bodyPr/>
           <a:lstStyle/>
           <a:p>
             <a:r>
-              <a:rPr lang="en-US" dirty="0" smtClean="0"/>
-              <a:t>The game feels more alive than before </a:t>
-            </a:r>
-          </a:p>
-          <a:p>
-            <a:r>
-              <a:rPr lang="en-US" dirty="0" smtClean="0"/>
-              <a:t>The source code is easier to follow</a:t>
-            </a:r>
+              <a:rPr lang="en-US" b="1" dirty="0"/>
+              <a:t>Solution(s) to ATP issues</a:t>
+            </a:r>
+            <a:endParaRPr lang="en-US" dirty="0"/>
+          </a:p>
+          <a:p>
+            <a:pPr lvl="1"/>
             <a:r>
               <a:rPr lang="en-US" dirty="0"/>
-              <a:t> </a:t>
-            </a:r>
-            <a:r>
-              <a:rPr lang="en-US" dirty="0" smtClean="0"/>
-              <a:t>than what was given to our group</a:t>
-            </a:r>
-          </a:p>
-          <a:p>
-            <a:r>
-              <a:rPr lang="en-US" dirty="0" smtClean="0"/>
-              <a:t>The source code has been refactored to be more dynamic</a:t>
-            </a:r>
-          </a:p>
-          <a:p>
-            <a:r>
-              <a:rPr lang="en-US" dirty="0" smtClean="0"/>
-              <a:t>The source code has been refactored eliminating much of the copy and paste code that existed and now uses classes to handle repeating functionality</a:t>
-            </a:r>
-          </a:p>
-          <a:p>
-            <a:pPr marL="0" indent="0">
-              <a:buNone/>
-            </a:pPr>
-            <a:endParaRPr lang="en-US" dirty="0" smtClean="0"/>
+              <a:t>New Tracking algorithm:</a:t>
+            </a:r>
+          </a:p>
+          <a:p>
+            <a:pPr lvl="2"/>
+            <a:r>
+              <a:rPr lang="en-US" dirty="0"/>
+              <a:t>ATP now tracks directly to the proposed receptor leg.</a:t>
+            </a:r>
+          </a:p>
+          <a:p>
+            <a:pPr lvl="2"/>
+            <a:r>
+              <a:rPr lang="en-US" dirty="0"/>
+              <a:t>ATP now rotates to the angle needed to properly drop off the phosphate.</a:t>
+            </a:r>
+          </a:p>
+          <a:p>
+            <a:pPr lvl="2"/>
+            <a:r>
+              <a:rPr lang="en-US" dirty="0"/>
+              <a:t>Only one ATP tracks to a given receptor leg.</a:t>
+            </a:r>
+          </a:p>
+          <a:p>
+            <a:pPr lvl="2"/>
+            <a:r>
+              <a:rPr lang="en-US" dirty="0"/>
+              <a:t>The tracking algorithm now uses raycasting to determine if the Nucleus is in the way and plots a course around the Nucleus.</a:t>
+            </a:r>
+          </a:p>
+          <a:p>
+            <a:pPr lvl="2"/>
+            <a:r>
+              <a:rPr lang="en-US" dirty="0"/>
+              <a:t>The tracking algorithm also reuses the same code to find and dock with a Kinase/T-Regulator pair using a tracking class.</a:t>
+            </a:r>
+          </a:p>
+          <a:p>
+            <a:pPr lvl="1"/>
+            <a:r>
+              <a:rPr lang="en-US" dirty="0"/>
+              <a:t>New randomized movement:</a:t>
+            </a:r>
+          </a:p>
+          <a:p>
+            <a:pPr lvl="2"/>
+            <a:r>
+              <a:rPr lang="en-US" dirty="0"/>
+              <a:t>ATP now has fluid, truly random movement when not tracking an object.</a:t>
+            </a:r>
+          </a:p>
+          <a:p>
+            <a:pPr lvl="2"/>
+            <a:r>
+              <a:rPr lang="en-US" dirty="0"/>
+              <a:t>Variable direction and speed with smooth rotation.</a:t>
+            </a:r>
+          </a:p>
+        </p:txBody>
+      </p:sp>
+      <p:sp>
+        <p:nvSpPr>
+          <p:cNvPr id="5" name="TextBox 4"/>
+          <p:cNvSpPr txBox="1"/>
+          <p:nvPr/>
+        </p:nvSpPr>
+        <p:spPr>
+          <a:xfrm>
+            <a:off x="4495800" y="285750"/>
+            <a:ext cx="2057400" cy="369332"/>
+          </a:xfrm>
+          <a:prstGeom prst="rect">
+            <a:avLst/>
+          </a:prstGeom>
+          <a:noFill/>
+        </p:spPr>
+        <p:txBody>
+          <a:bodyPr wrap="square" rtlCol="0" anchor="t">
+            <a:spAutoFit/>
+          </a:bodyPr>
+          <a:lstStyle/>
+          <a:p>
+            <a:endParaRPr lang="en-US" dirty="0"/>
           </a:p>
         </p:txBody>
       </p:sp>
     </p:spTree>
     <p:extLst>
       <p:ext uri="{BB962C8B-B14F-4D97-AF65-F5344CB8AC3E}">
-        <p14:creationId xmlns:p14="http://schemas.microsoft.com/office/powerpoint/2010/main" val="2771877381"/>
+        <p14:creationId xmlns:p14="http://schemas.microsoft.com/office/powerpoint/2010/main" val="3896077321"/>
       </p:ext>
     </p:extLst>
   </p:cSld>
@@ -18305,14 +20153,19 @@
             <p:ph type="title"/>
           </p:nvPr>
         </p:nvSpPr>
-        <p:spPr/>
+        <p:spPr>
+          <a:xfrm>
+            <a:off x="457200" y="438150"/>
+            <a:ext cx="1524000" cy="422275"/>
+          </a:xfrm>
+        </p:spPr>
         <p:txBody>
           <a:bodyPr/>
           <a:lstStyle/>
           <a:p>
             <a:r>
               <a:rPr lang="en-US" dirty="0" smtClean="0"/>
-              <a:t>Demonstration</a:t>
+              <a:t>Details</a:t>
             </a:r>
             <a:endParaRPr lang="en-US" dirty="0"/>
           </a:p>
@@ -18328,118 +20181,160 @@
             <p:ph idx="1"/>
           </p:nvPr>
         </p:nvSpPr>
-        <p:spPr/>
+        <p:spPr>
+          <a:xfrm>
+            <a:off x="457200" y="852366"/>
+            <a:ext cx="6186488" cy="3395784"/>
+          </a:xfrm>
+        </p:spPr>
         <p:txBody>
           <a:bodyPr/>
           <a:lstStyle/>
           <a:p>
             <a:r>
+              <a:rPr lang="en-US" b="1" dirty="0"/>
+              <a:t>Other </a:t>
+            </a:r>
+            <a:r>
+              <a:rPr lang="en-US" b="1" dirty="0" smtClean="0"/>
+              <a:t>Solutions</a:t>
+            </a:r>
+            <a:endParaRPr lang="en-US" b="1" dirty="0"/>
+          </a:p>
+          <a:p>
+            <a:pPr lvl="1"/>
+            <a:r>
+              <a:rPr lang="en-US" dirty="0"/>
+              <a:t>Nuclear Pore Complex object was created and added to the menu.</a:t>
+            </a:r>
+          </a:p>
+          <a:p>
+            <a:pPr lvl="1"/>
+            <a:r>
+              <a:rPr lang="en-US" dirty="0"/>
+              <a:t>New algorithm to draw inner and outer circular colliders for both the Cell Membrane and Nucleus.</a:t>
+            </a:r>
+          </a:p>
+          <a:p>
+            <a:pPr lvl="1"/>
+            <a:r>
+              <a:rPr lang="en-US" dirty="0"/>
+              <a:t>Protein signaler no longer breaks through the Cell Membrane.</a:t>
+            </a:r>
+          </a:p>
+          <a:p>
+            <a:pPr lvl="1"/>
+            <a:r>
+              <a:rPr lang="en-US" dirty="0"/>
+              <a:t>Receptor and Protein </a:t>
+            </a:r>
+            <a:r>
+              <a:rPr lang="en-US" dirty="0" err="1" smtClean="0"/>
+              <a:t>Signaller</a:t>
+            </a:r>
+            <a:r>
               <a:rPr lang="en-US" dirty="0" smtClean="0"/>
-              <a:t>Previous Version:</a:t>
+              <a:t> </a:t>
+            </a:r>
+            <a:r>
+              <a:rPr lang="en-US" dirty="0"/>
+              <a:t>size increased.</a:t>
             </a:r>
           </a:p>
           <a:p>
             <a:pPr lvl="1"/>
             <a:r>
-              <a:rPr lang="en-US" dirty="0" smtClean="0"/>
-              <a:t>Tutorial</a:t>
+              <a:rPr lang="en-US" dirty="0"/>
+              <a:t>Only one Cell Membrane is allowed to be placed by the user.</a:t>
             </a:r>
           </a:p>
           <a:p>
             <a:pPr lvl="1"/>
             <a:r>
-              <a:rPr lang="en-US" dirty="0" smtClean="0"/>
-              <a:t>Receptor</a:t>
-            </a:r>
-          </a:p>
-          <a:p>
-            <a:pPr lvl="1"/>
-            <a:r>
-              <a:rPr lang="en-US" dirty="0" smtClean="0"/>
-              <a:t>ATP</a:t>
-            </a:r>
-          </a:p>
-          <a:p>
-            <a:pPr lvl="1"/>
-            <a:r>
-              <a:rPr lang="en-US" dirty="0" smtClean="0"/>
-              <a:t>G-Protein</a:t>
-            </a:r>
-          </a:p>
-          <a:p>
-            <a:pPr lvl="1"/>
-            <a:r>
-              <a:rPr lang="en-US" dirty="0" smtClean="0"/>
-              <a:t>Kinase</a:t>
-            </a:r>
-          </a:p>
-          <a:p>
-            <a:pPr lvl="1"/>
-            <a:r>
-              <a:rPr lang="en-US" dirty="0" smtClean="0"/>
-              <a:t>Transcription Regulator</a:t>
-            </a:r>
-          </a:p>
-          <a:p>
-            <a:r>
-              <a:rPr lang="en-US" dirty="0" smtClean="0"/>
-              <a:t>Latest Version:</a:t>
-            </a:r>
-          </a:p>
-          <a:p>
-            <a:pPr lvl="1"/>
-            <a:r>
-              <a:rPr lang="en-US" dirty="0" smtClean="0"/>
-              <a:t>Tutorial</a:t>
-            </a:r>
-          </a:p>
-          <a:p>
-            <a:pPr lvl="1"/>
-            <a:r>
-              <a:rPr lang="en-US" dirty="0" smtClean="0"/>
-              <a:t>Receptor</a:t>
-            </a:r>
-          </a:p>
-          <a:p>
-            <a:pPr lvl="1"/>
-            <a:r>
-              <a:rPr lang="en-US" dirty="0" smtClean="0"/>
-              <a:t>ATP</a:t>
-            </a:r>
-          </a:p>
-          <a:p>
-            <a:pPr lvl="1"/>
-            <a:r>
-              <a:rPr lang="en-US" dirty="0" smtClean="0"/>
-              <a:t>G-Protein</a:t>
-            </a:r>
-          </a:p>
-          <a:p>
-            <a:pPr lvl="1"/>
-            <a:r>
-              <a:rPr lang="en-US" dirty="0" smtClean="0"/>
-              <a:t>Kinase</a:t>
-            </a:r>
-          </a:p>
-          <a:p>
-            <a:pPr lvl="1"/>
-            <a:r>
-              <a:rPr lang="en-US" dirty="0" smtClean="0"/>
-              <a:t>Transcription Regulator and Nuclear Pore</a:t>
-            </a:r>
-          </a:p>
-          <a:p>
-            <a:pPr marL="457200" lvl="1" indent="0">
-              <a:buNone/>
-            </a:pPr>
-            <a:endParaRPr lang="en-US" dirty="0" smtClean="0"/>
-          </a:p>
-        </p:txBody>
-      </p:sp>
+              <a:rPr lang="en-US" dirty="0"/>
+              <a:t>Excess code and objects were removed.</a:t>
+            </a:r>
+          </a:p>
+        </p:txBody>
+      </p:sp>
+      <p:sp>
+        <p:nvSpPr>
+          <p:cNvPr id="5" name="TextBox 4"/>
+          <p:cNvSpPr txBox="1"/>
+          <p:nvPr/>
+        </p:nvSpPr>
+        <p:spPr>
+          <a:xfrm>
+            <a:off x="4495800" y="285750"/>
+            <a:ext cx="2057400" cy="369332"/>
+          </a:xfrm>
+          <a:prstGeom prst="rect">
+            <a:avLst/>
+          </a:prstGeom>
+          <a:noFill/>
+        </p:spPr>
+        <p:txBody>
+          <a:bodyPr wrap="square" rtlCol="0" anchor="t">
+            <a:spAutoFit/>
+          </a:bodyPr>
+          <a:lstStyle/>
+          <a:p>
+            <a:endParaRPr lang="en-US" dirty="0"/>
+          </a:p>
+        </p:txBody>
+      </p:sp>
+      <p:pic>
+        <p:nvPicPr>
+          <p:cNvPr id="4" name="Picture 3" descr="collider.jpg"/>
+          <p:cNvPicPr>
+            <a:picLocks noChangeAspect="1"/>
+          </p:cNvPicPr>
+          <p:nvPr/>
+        </p:nvPicPr>
+        <p:blipFill>
+          <a:blip r:embed="rId3"/>
+          <a:stretch>
+            <a:fillRect/>
+          </a:stretch>
+        </p:blipFill>
+        <p:spPr>
+          <a:xfrm>
+            <a:off x="4584700" y="2595563"/>
+            <a:ext cx="2279994" cy="1926763"/>
+          </a:xfrm>
+          <a:prstGeom prst="rect">
+            <a:avLst/>
+          </a:prstGeom>
+        </p:spPr>
+      </p:pic>
+      <p:pic>
+        <p:nvPicPr>
+          <p:cNvPr id="6" name="Picture 5" descr="menu.jpg"/>
+          <p:cNvPicPr>
+            <a:picLocks noChangeAspect="1"/>
+          </p:cNvPicPr>
+          <p:nvPr/>
+        </p:nvPicPr>
+        <p:blipFill>
+          <a:blip r:embed="rId4"/>
+          <a:stretch>
+            <a:fillRect/>
+          </a:stretch>
+        </p:blipFill>
+        <p:spPr>
+          <a:xfrm>
+            <a:off x="6891338" y="201613"/>
+            <a:ext cx="1952761" cy="4326099"/>
+          </a:xfrm>
+          <a:prstGeom prst="rect">
+            <a:avLst/>
+          </a:prstGeom>
+        </p:spPr>
+      </p:pic>
     </p:spTree>
     <p:extLst>
       <p:ext uri="{BB962C8B-B14F-4D97-AF65-F5344CB8AC3E}">
-        <p14:creationId xmlns:p14="http://schemas.microsoft.com/office/powerpoint/2010/main" val="4037059624"/>
+        <p14:creationId xmlns:p14="http://schemas.microsoft.com/office/powerpoint/2010/main" val="454427668"/>
       </p:ext>
     </p:extLst>
   </p:cSld>
